--- a/Présentation3.pptx
+++ b/Présentation3.pptx
@@ -160,489 +160,6 @@
           <pc:docMk/>
           <pc:sldMk cId="1146257100" sldId="259"/>
         </pc:sldMkLst>
-      </pc:sldChg>
-    </pc:docChg>
-  </pc:docChgLst>
-  <pc:docChgLst>
-    <pc:chgData name="Sébastien STREBELLE" userId="73885514-5da4-4c77-879d-93e833794f3a" providerId="ADAL" clId="{494C457D-67F9-D34C-979A-B9BE3AAEC0BF}"/>
-    <pc:docChg chg="undo custSel addSld delSld modSld">
-      <pc:chgData name="Sébastien STREBELLE" userId="73885514-5da4-4c77-879d-93e833794f3a" providerId="ADAL" clId="{494C457D-67F9-D34C-979A-B9BE3AAEC0BF}" dt="2022-09-30T11:59:25.224" v="99" actId="20577"/>
-      <pc:docMkLst>
-        <pc:docMk/>
-      </pc:docMkLst>
-      <pc:sldChg chg="modSp mod">
-        <pc:chgData name="Sébastien STREBELLE" userId="73885514-5da4-4c77-879d-93e833794f3a" providerId="ADAL" clId="{494C457D-67F9-D34C-979A-B9BE3AAEC0BF}" dt="2022-09-29T15:55:52.868" v="1" actId="20577"/>
-        <pc:sldMkLst>
-          <pc:docMk/>
-          <pc:sldMk cId="2572945855" sldId="256"/>
-        </pc:sldMkLst>
-        <pc:spChg chg="mod">
-          <ac:chgData name="Sébastien STREBELLE" userId="73885514-5da4-4c77-879d-93e833794f3a" providerId="ADAL" clId="{494C457D-67F9-D34C-979A-B9BE3AAEC0BF}" dt="2022-09-29T15:55:52.868" v="1" actId="20577"/>
-          <ac:spMkLst>
-            <pc:docMk/>
-            <pc:sldMk cId="2572945855" sldId="256"/>
-            <ac:spMk id="29" creationId="{5AF42A25-0493-4E12-B65F-57D107A706D5}"/>
-          </ac:spMkLst>
-        </pc:spChg>
-      </pc:sldChg>
-      <pc:sldChg chg="del">
-        <pc:chgData name="Sébastien STREBELLE" userId="73885514-5da4-4c77-879d-93e833794f3a" providerId="ADAL" clId="{494C457D-67F9-D34C-979A-B9BE3AAEC0BF}" dt="2022-09-30T11:55:45.933" v="35" actId="2696"/>
-        <pc:sldMkLst>
-          <pc:docMk/>
-          <pc:sldMk cId="3221569109" sldId="278"/>
-        </pc:sldMkLst>
-      </pc:sldChg>
-      <pc:sldChg chg="del">
-        <pc:chgData name="Sébastien STREBELLE" userId="73885514-5da4-4c77-879d-93e833794f3a" providerId="ADAL" clId="{494C457D-67F9-D34C-979A-B9BE3AAEC0BF}" dt="2022-09-30T11:55:45.677" v="34" actId="2696"/>
-        <pc:sldMkLst>
-          <pc:docMk/>
-          <pc:sldMk cId="1133146985" sldId="298"/>
-        </pc:sldMkLst>
-      </pc:sldChg>
-      <pc:sldChg chg="del">
-        <pc:chgData name="Sébastien STREBELLE" userId="73885514-5da4-4c77-879d-93e833794f3a" providerId="ADAL" clId="{494C457D-67F9-D34C-979A-B9BE3AAEC0BF}" dt="2022-09-30T11:55:48.215" v="44" actId="2696"/>
-        <pc:sldMkLst>
-          <pc:docMk/>
-          <pc:sldMk cId="1550669960" sldId="299"/>
-        </pc:sldMkLst>
-      </pc:sldChg>
-      <pc:sldChg chg="modSp mod">
-        <pc:chgData name="Sébastien STREBELLE" userId="73885514-5da4-4c77-879d-93e833794f3a" providerId="ADAL" clId="{494C457D-67F9-D34C-979A-B9BE3AAEC0BF}" dt="2022-09-29T15:56:12.933" v="29" actId="20577"/>
-        <pc:sldMkLst>
-          <pc:docMk/>
-          <pc:sldMk cId="2117265424" sldId="301"/>
-        </pc:sldMkLst>
-        <pc:spChg chg="mod">
-          <ac:chgData name="Sébastien STREBELLE" userId="73885514-5da4-4c77-879d-93e833794f3a" providerId="ADAL" clId="{494C457D-67F9-D34C-979A-B9BE3AAEC0BF}" dt="2022-09-29T15:56:12.933" v="29" actId="20577"/>
-          <ac:spMkLst>
-            <pc:docMk/>
-            <pc:sldMk cId="2117265424" sldId="301"/>
-            <ac:spMk id="2" creationId="{5387821B-6970-4EE0-80B7-51533E14ED48}"/>
-          </ac:spMkLst>
-        </pc:spChg>
-      </pc:sldChg>
-      <pc:sldChg chg="del">
-        <pc:chgData name="Sébastien STREBELLE" userId="73885514-5da4-4c77-879d-93e833794f3a" providerId="ADAL" clId="{494C457D-67F9-D34C-979A-B9BE3AAEC0BF}" dt="2022-09-30T11:55:45.363" v="33" actId="2696"/>
-        <pc:sldMkLst>
-          <pc:docMk/>
-          <pc:sldMk cId="1768004219" sldId="302"/>
-        </pc:sldMkLst>
-      </pc:sldChg>
-      <pc:sldChg chg="del">
-        <pc:chgData name="Sébastien STREBELLE" userId="73885514-5da4-4c77-879d-93e833794f3a" providerId="ADAL" clId="{494C457D-67F9-D34C-979A-B9BE3AAEC0BF}" dt="2022-09-30T11:55:46.346" v="37" actId="2696"/>
-        <pc:sldMkLst>
-          <pc:docMk/>
-          <pc:sldMk cId="2773465296" sldId="303"/>
-        </pc:sldMkLst>
-      </pc:sldChg>
-      <pc:sldChg chg="addSp delSp modSp mod">
-        <pc:chgData name="Sébastien STREBELLE" userId="73885514-5da4-4c77-879d-93e833794f3a" providerId="ADAL" clId="{494C457D-67F9-D34C-979A-B9BE3AAEC0BF}" dt="2022-09-30T11:58:11.890" v="88" actId="478"/>
-        <pc:sldMkLst>
-          <pc:docMk/>
-          <pc:sldMk cId="844415686" sldId="305"/>
-        </pc:sldMkLst>
-        <pc:spChg chg="mod">
-          <ac:chgData name="Sébastien STREBELLE" userId="73885514-5da4-4c77-879d-93e833794f3a" providerId="ADAL" clId="{494C457D-67F9-D34C-979A-B9BE3AAEC0BF}" dt="2022-09-30T11:58:04.131" v="86" actId="1076"/>
-          <ac:spMkLst>
-            <pc:docMk/>
-            <pc:sldMk cId="844415686" sldId="305"/>
-            <ac:spMk id="2" creationId="{5387821B-6970-4EE0-80B7-51533E14ED48}"/>
-          </ac:spMkLst>
-        </pc:spChg>
-        <pc:spChg chg="del mod">
-          <ac:chgData name="Sébastien STREBELLE" userId="73885514-5da4-4c77-879d-93e833794f3a" providerId="ADAL" clId="{494C457D-67F9-D34C-979A-B9BE3AAEC0BF}" dt="2022-09-30T11:57:38.142" v="82" actId="478"/>
-          <ac:spMkLst>
-            <pc:docMk/>
-            <pc:sldMk cId="844415686" sldId="305"/>
-            <ac:spMk id="3" creationId="{B4EC4071-1358-410F-88AD-2899F8A838AA}"/>
-          </ac:spMkLst>
-        </pc:spChg>
-        <pc:spChg chg="del mod">
-          <ac:chgData name="Sébastien STREBELLE" userId="73885514-5da4-4c77-879d-93e833794f3a" providerId="ADAL" clId="{494C457D-67F9-D34C-979A-B9BE3AAEC0BF}" dt="2022-09-30T11:58:11.890" v="88" actId="478"/>
-          <ac:spMkLst>
-            <pc:docMk/>
-            <pc:sldMk cId="844415686" sldId="305"/>
-            <ac:spMk id="5" creationId="{C872DA48-D761-44A1-9F04-119560C85310}"/>
-          </ac:spMkLst>
-        </pc:spChg>
-        <pc:spChg chg="add del mod">
-          <ac:chgData name="Sébastien STREBELLE" userId="73885514-5da4-4c77-879d-93e833794f3a" providerId="ADAL" clId="{494C457D-67F9-D34C-979A-B9BE3AAEC0BF}" dt="2022-09-30T11:57:46.786" v="84" actId="478"/>
-          <ac:spMkLst>
-            <pc:docMk/>
-            <pc:sldMk cId="844415686" sldId="305"/>
-            <ac:spMk id="8" creationId="{1A8C5BF0-428A-A44A-EEDA-27C9A2F56470}"/>
-          </ac:spMkLst>
-        </pc:spChg>
-        <pc:picChg chg="add del">
-          <ac:chgData name="Sébastien STREBELLE" userId="73885514-5da4-4c77-879d-93e833794f3a" providerId="ADAL" clId="{494C457D-67F9-D34C-979A-B9BE3AAEC0BF}" dt="2022-09-30T11:58:09.117" v="87" actId="478"/>
-          <ac:picMkLst>
-            <pc:docMk/>
-            <pc:sldMk cId="844415686" sldId="305"/>
-            <ac:picMk id="6" creationId="{B3952AF1-DDA9-3BAF-DF95-F71E36ACE887}"/>
-          </ac:picMkLst>
-        </pc:picChg>
-      </pc:sldChg>
-      <pc:sldChg chg="del">
-        <pc:chgData name="Sébastien STREBELLE" userId="73885514-5da4-4c77-879d-93e833794f3a" providerId="ADAL" clId="{494C457D-67F9-D34C-979A-B9BE3AAEC0BF}" dt="2022-09-30T11:55:44.613" v="31" actId="2696"/>
-        <pc:sldMkLst>
-          <pc:docMk/>
-          <pc:sldMk cId="1386929168" sldId="306"/>
-        </pc:sldMkLst>
-      </pc:sldChg>
-      <pc:sldChg chg="modSp add mod">
-        <pc:chgData name="Sébastien STREBELLE" userId="73885514-5da4-4c77-879d-93e833794f3a" providerId="ADAL" clId="{494C457D-67F9-D34C-979A-B9BE3AAEC0BF}" dt="2022-09-30T11:57:29.545" v="80" actId="20577"/>
-        <pc:sldMkLst>
-          <pc:docMk/>
-          <pc:sldMk cId="3475575509" sldId="306"/>
-        </pc:sldMkLst>
-        <pc:spChg chg="mod">
-          <ac:chgData name="Sébastien STREBELLE" userId="73885514-5da4-4c77-879d-93e833794f3a" providerId="ADAL" clId="{494C457D-67F9-D34C-979A-B9BE3AAEC0BF}" dt="2022-09-30T11:57:29.545" v="80" actId="20577"/>
-          <ac:spMkLst>
-            <pc:docMk/>
-            <pc:sldMk cId="3475575509" sldId="306"/>
-            <ac:spMk id="2" creationId="{5387821B-6970-4EE0-80B7-51533E14ED48}"/>
-          </ac:spMkLst>
-        </pc:spChg>
-      </pc:sldChg>
-      <pc:sldChg chg="del">
-        <pc:chgData name="Sébastien STREBELLE" userId="73885514-5da4-4c77-879d-93e833794f3a" providerId="ADAL" clId="{494C457D-67F9-D34C-979A-B9BE3AAEC0BF}" dt="2022-09-30T11:55:44.987" v="32" actId="2696"/>
-        <pc:sldMkLst>
-          <pc:docMk/>
-          <pc:sldMk cId="1687495354" sldId="307"/>
-        </pc:sldMkLst>
-      </pc:sldChg>
-      <pc:sldChg chg="modSp add mod">
-        <pc:chgData name="Sébastien STREBELLE" userId="73885514-5da4-4c77-879d-93e833794f3a" providerId="ADAL" clId="{494C457D-67F9-D34C-979A-B9BE3AAEC0BF}" dt="2022-09-30T11:59:25.224" v="99" actId="20577"/>
-        <pc:sldMkLst>
-          <pc:docMk/>
-          <pc:sldMk cId="2823931696" sldId="307"/>
-        </pc:sldMkLst>
-        <pc:spChg chg="mod">
-          <ac:chgData name="Sébastien STREBELLE" userId="73885514-5da4-4c77-879d-93e833794f3a" providerId="ADAL" clId="{494C457D-67F9-D34C-979A-B9BE3AAEC0BF}" dt="2022-09-30T11:59:25.224" v="99" actId="20577"/>
-          <ac:spMkLst>
-            <pc:docMk/>
-            <pc:sldMk cId="2823931696" sldId="307"/>
-            <ac:spMk id="2" creationId="{5387821B-6970-4EE0-80B7-51533E14ED48}"/>
-          </ac:spMkLst>
-        </pc:spChg>
-      </pc:sldChg>
-      <pc:sldChg chg="del">
-        <pc:chgData name="Sébastien STREBELLE" userId="73885514-5da4-4c77-879d-93e833794f3a" providerId="ADAL" clId="{494C457D-67F9-D34C-979A-B9BE3AAEC0BF}" dt="2022-09-30T11:55:44.182" v="30" actId="2696"/>
-        <pc:sldMkLst>
-          <pc:docMk/>
-          <pc:sldMk cId="1762130286" sldId="308"/>
-        </pc:sldMkLst>
-      </pc:sldChg>
-      <pc:sldChg chg="del">
-        <pc:chgData name="Sébastien STREBELLE" userId="73885514-5da4-4c77-879d-93e833794f3a" providerId="ADAL" clId="{494C457D-67F9-D34C-979A-B9BE3AAEC0BF}" dt="2022-09-30T11:55:46.111" v="36" actId="2696"/>
-        <pc:sldMkLst>
-          <pc:docMk/>
-          <pc:sldMk cId="2992295534" sldId="310"/>
-        </pc:sldMkLst>
-      </pc:sldChg>
-      <pc:sldChg chg="del">
-        <pc:chgData name="Sébastien STREBELLE" userId="73885514-5da4-4c77-879d-93e833794f3a" providerId="ADAL" clId="{494C457D-67F9-D34C-979A-B9BE3AAEC0BF}" dt="2022-09-30T11:55:46.554" v="38" actId="2696"/>
-        <pc:sldMkLst>
-          <pc:docMk/>
-          <pc:sldMk cId="814757410" sldId="311"/>
-        </pc:sldMkLst>
-      </pc:sldChg>
-      <pc:sldChg chg="del">
-        <pc:chgData name="Sébastien STREBELLE" userId="73885514-5da4-4c77-879d-93e833794f3a" providerId="ADAL" clId="{494C457D-67F9-D34C-979A-B9BE3AAEC0BF}" dt="2022-09-30T11:55:46.787" v="39" actId="2696"/>
-        <pc:sldMkLst>
-          <pc:docMk/>
-          <pc:sldMk cId="3806117448" sldId="312"/>
-        </pc:sldMkLst>
-      </pc:sldChg>
-      <pc:sldChg chg="del">
-        <pc:chgData name="Sébastien STREBELLE" userId="73885514-5da4-4c77-879d-93e833794f3a" providerId="ADAL" clId="{494C457D-67F9-D34C-979A-B9BE3AAEC0BF}" dt="2022-09-30T11:55:47.256" v="40" actId="2696"/>
-        <pc:sldMkLst>
-          <pc:docMk/>
-          <pc:sldMk cId="3108515462" sldId="313"/>
-        </pc:sldMkLst>
-      </pc:sldChg>
-      <pc:sldChg chg="del">
-        <pc:chgData name="Sébastien STREBELLE" userId="73885514-5da4-4c77-879d-93e833794f3a" providerId="ADAL" clId="{494C457D-67F9-D34C-979A-B9BE3AAEC0BF}" dt="2022-09-30T11:55:47.530" v="41" actId="2696"/>
-        <pc:sldMkLst>
-          <pc:docMk/>
-          <pc:sldMk cId="3836734183" sldId="314"/>
-        </pc:sldMkLst>
-      </pc:sldChg>
-      <pc:sldChg chg="del">
-        <pc:chgData name="Sébastien STREBELLE" userId="73885514-5da4-4c77-879d-93e833794f3a" providerId="ADAL" clId="{494C457D-67F9-D34C-979A-B9BE3AAEC0BF}" dt="2022-09-30T11:55:47.737" v="42" actId="2696"/>
-        <pc:sldMkLst>
-          <pc:docMk/>
-          <pc:sldMk cId="215407679" sldId="315"/>
-        </pc:sldMkLst>
-      </pc:sldChg>
-      <pc:sldChg chg="del">
-        <pc:chgData name="Sébastien STREBELLE" userId="73885514-5da4-4c77-879d-93e833794f3a" providerId="ADAL" clId="{494C457D-67F9-D34C-979A-B9BE3AAEC0BF}" dt="2022-09-30T11:55:47.957" v="43" actId="2696"/>
-        <pc:sldMkLst>
-          <pc:docMk/>
-          <pc:sldMk cId="2973239992" sldId="316"/>
-        </pc:sldMkLst>
-      </pc:sldChg>
-      <pc:sldChg chg="del">
-        <pc:chgData name="Sébastien STREBELLE" userId="73885514-5da4-4c77-879d-93e833794f3a" providerId="ADAL" clId="{494C457D-67F9-D34C-979A-B9BE3AAEC0BF}" dt="2022-09-30T11:55:49.080" v="45" actId="2696"/>
-        <pc:sldMkLst>
-          <pc:docMk/>
-          <pc:sldMk cId="2938391347" sldId="317"/>
-        </pc:sldMkLst>
-      </pc:sldChg>
-    </pc:docChg>
-  </pc:docChgLst>
-  <pc:docChgLst>
-    <pc:chgData name="Sébastien STREBELLE" userId="73885514-5da4-4c77-879d-93e833794f3a" providerId="ADAL" clId="{4B4CBF7D-4B99-8F41-84F3-11B3D7DAEC20}"/>
-    <pc:docChg chg="custSel addSld modSld">
-      <pc:chgData name="Sébastien STREBELLE" userId="73885514-5da4-4c77-879d-93e833794f3a" providerId="ADAL" clId="{4B4CBF7D-4B99-8F41-84F3-11B3D7DAEC20}" dt="2023-09-27T17:32:52.898" v="697" actId="114"/>
-      <pc:docMkLst>
-        <pc:docMk/>
-      </pc:docMkLst>
-      <pc:sldChg chg="modSp mod">
-        <pc:chgData name="Sébastien STREBELLE" userId="73885514-5da4-4c77-879d-93e833794f3a" providerId="ADAL" clId="{4B4CBF7D-4B99-8F41-84F3-11B3D7DAEC20}" dt="2023-09-27T09:14:39.320" v="24" actId="20577"/>
-        <pc:sldMkLst>
-          <pc:docMk/>
-          <pc:sldMk cId="2572945855" sldId="256"/>
-        </pc:sldMkLst>
-        <pc:spChg chg="mod">
-          <ac:chgData name="Sébastien STREBELLE" userId="73885514-5da4-4c77-879d-93e833794f3a" providerId="ADAL" clId="{4B4CBF7D-4B99-8F41-84F3-11B3D7DAEC20}" dt="2023-09-27T09:14:25.530" v="6" actId="20577"/>
-          <ac:spMkLst>
-            <pc:docMk/>
-            <pc:sldMk cId="2572945855" sldId="256"/>
-            <ac:spMk id="29" creationId="{5AF42A25-0493-4E12-B65F-57D107A706D5}"/>
-          </ac:spMkLst>
-        </pc:spChg>
-        <pc:spChg chg="mod">
-          <ac:chgData name="Sébastien STREBELLE" userId="73885514-5da4-4c77-879d-93e833794f3a" providerId="ADAL" clId="{4B4CBF7D-4B99-8F41-84F3-11B3D7DAEC20}" dt="2023-09-27T09:14:39.320" v="24" actId="20577"/>
-          <ac:spMkLst>
-            <pc:docMk/>
-            <pc:sldMk cId="2572945855" sldId="256"/>
-            <ac:spMk id="30" creationId="{7B9BDEE1-A208-4642-B50F-3B97DAAAF184}"/>
-          </ac:spMkLst>
-        </pc:spChg>
-      </pc:sldChg>
-      <pc:sldChg chg="modSp mod">
-        <pc:chgData name="Sébastien STREBELLE" userId="73885514-5da4-4c77-879d-93e833794f3a" providerId="ADAL" clId="{4B4CBF7D-4B99-8F41-84F3-11B3D7DAEC20}" dt="2023-09-27T09:48:21.659" v="39" actId="20577"/>
-        <pc:sldMkLst>
-          <pc:docMk/>
-          <pc:sldMk cId="860365720" sldId="319"/>
-        </pc:sldMkLst>
-        <pc:spChg chg="mod">
-          <ac:chgData name="Sébastien STREBELLE" userId="73885514-5da4-4c77-879d-93e833794f3a" providerId="ADAL" clId="{4B4CBF7D-4B99-8F41-84F3-11B3D7DAEC20}" dt="2023-09-27T09:48:21.659" v="39" actId="20577"/>
-          <ac:spMkLst>
-            <pc:docMk/>
-            <pc:sldMk cId="860365720" sldId="319"/>
-            <ac:spMk id="3" creationId="{2F8E4038-A953-6F1F-17D3-EFD527A9F7F6}"/>
-          </ac:spMkLst>
-        </pc:spChg>
-      </pc:sldChg>
-      <pc:sldChg chg="modSp mod">
-        <pc:chgData name="Sébastien STREBELLE" userId="73885514-5da4-4c77-879d-93e833794f3a" providerId="ADAL" clId="{4B4CBF7D-4B99-8F41-84F3-11B3D7DAEC20}" dt="2023-09-27T17:32:52.898" v="697" actId="114"/>
-        <pc:sldMkLst>
-          <pc:docMk/>
-          <pc:sldMk cId="1595141369" sldId="324"/>
-        </pc:sldMkLst>
-        <pc:spChg chg="mod">
-          <ac:chgData name="Sébastien STREBELLE" userId="73885514-5da4-4c77-879d-93e833794f3a" providerId="ADAL" clId="{4B4CBF7D-4B99-8F41-84F3-11B3D7DAEC20}" dt="2023-09-27T17:32:52.898" v="697" actId="114"/>
-          <ac:spMkLst>
-            <pc:docMk/>
-            <pc:sldMk cId="1595141369" sldId="324"/>
-            <ac:spMk id="3" creationId="{2F8E4038-A953-6F1F-17D3-EFD527A9F7F6}"/>
-          </ac:spMkLst>
-        </pc:spChg>
-      </pc:sldChg>
-      <pc:sldChg chg="delSp modSp add mod setBg delDesignElem">
-        <pc:chgData name="Sébastien STREBELLE" userId="73885514-5da4-4c77-879d-93e833794f3a" providerId="ADAL" clId="{4B4CBF7D-4B99-8F41-84F3-11B3D7DAEC20}" dt="2023-09-27T09:53:27.691" v="63" actId="20577"/>
-        <pc:sldMkLst>
-          <pc:docMk/>
-          <pc:sldMk cId="1335865984" sldId="327"/>
-        </pc:sldMkLst>
-        <pc:spChg chg="mod">
-          <ac:chgData name="Sébastien STREBELLE" userId="73885514-5da4-4c77-879d-93e833794f3a" providerId="ADAL" clId="{4B4CBF7D-4B99-8F41-84F3-11B3D7DAEC20}" dt="2023-09-27T09:53:27.691" v="63" actId="20577"/>
-          <ac:spMkLst>
-            <pc:docMk/>
-            <pc:sldMk cId="1335865984" sldId="327"/>
-            <ac:spMk id="2" creationId="{5387821B-6970-4EE0-80B7-51533E14ED48}"/>
-          </ac:spMkLst>
-        </pc:spChg>
-        <pc:spChg chg="del">
-          <ac:chgData name="Sébastien STREBELLE" userId="73885514-5da4-4c77-879d-93e833794f3a" providerId="ADAL" clId="{4B4CBF7D-4B99-8F41-84F3-11B3D7DAEC20}" dt="2023-09-27T09:53:11.345" v="41"/>
-          <ac:spMkLst>
-            <pc:docMk/>
-            <pc:sldMk cId="1335865984" sldId="327"/>
-            <ac:spMk id="12" creationId="{3CD9DF72-87A3-404E-A828-84CBF11A8303}"/>
-          </ac:spMkLst>
-        </pc:spChg>
-        <pc:cxnChg chg="del">
-          <ac:chgData name="Sébastien STREBELLE" userId="73885514-5da4-4c77-879d-93e833794f3a" providerId="ADAL" clId="{4B4CBF7D-4B99-8F41-84F3-11B3D7DAEC20}" dt="2023-09-27T09:53:11.345" v="41"/>
-          <ac:cxnSpMkLst>
-            <pc:docMk/>
-            <pc:sldMk cId="1335865984" sldId="327"/>
-            <ac:cxnSpMk id="14" creationId="{20E3A342-4D61-4E3F-AF90-1AB42AEB96CC}"/>
-          </ac:cxnSpMkLst>
-        </pc:cxnChg>
-      </pc:sldChg>
-      <pc:sldChg chg="modSp add mod">
-        <pc:chgData name="Sébastien STREBELLE" userId="73885514-5da4-4c77-879d-93e833794f3a" providerId="ADAL" clId="{4B4CBF7D-4B99-8F41-84F3-11B3D7DAEC20}" dt="2023-09-27T10:19:52.312" v="405" actId="120"/>
-        <pc:sldMkLst>
-          <pc:docMk/>
-          <pc:sldMk cId="1892562791" sldId="328"/>
-        </pc:sldMkLst>
-        <pc:spChg chg="mod">
-          <ac:chgData name="Sébastien STREBELLE" userId="73885514-5da4-4c77-879d-93e833794f3a" providerId="ADAL" clId="{4B4CBF7D-4B99-8F41-84F3-11B3D7DAEC20}" dt="2023-09-27T09:53:50.373" v="86" actId="20577"/>
-          <ac:spMkLst>
-            <pc:docMk/>
-            <pc:sldMk cId="1892562791" sldId="328"/>
-            <ac:spMk id="2" creationId="{5387821B-6970-4EE0-80B7-51533E14ED48}"/>
-          </ac:spMkLst>
-        </pc:spChg>
-        <pc:spChg chg="mod">
-          <ac:chgData name="Sébastien STREBELLE" userId="73885514-5da4-4c77-879d-93e833794f3a" providerId="ADAL" clId="{4B4CBF7D-4B99-8F41-84F3-11B3D7DAEC20}" dt="2023-09-27T10:19:52.312" v="405" actId="120"/>
-          <ac:spMkLst>
-            <pc:docMk/>
-            <pc:sldMk cId="1892562791" sldId="328"/>
-            <ac:spMk id="3" creationId="{2F8E4038-A953-6F1F-17D3-EFD527A9F7F6}"/>
-          </ac:spMkLst>
-        </pc:spChg>
-      </pc:sldChg>
-    </pc:docChg>
-  </pc:docChgLst>
-  <pc:docChgLst>
-    <pc:chgData name="Sébastien STREBELLE" userId="S::sebastien.strebelle@vinci.be::73885514-5da4-4c77-879d-93e833794f3a" providerId="AD" clId="Web-{3706FF07-33DD-75B9-D173-A317EB715BCE}"/>
-    <pc:docChg chg="addSld delSld modSld sldOrd">
-      <pc:chgData name="Sébastien STREBELLE" userId="S::sebastien.strebelle@vinci.be::73885514-5da4-4c77-879d-93e833794f3a" providerId="AD" clId="Web-{3706FF07-33DD-75B9-D173-A317EB715BCE}" dt="2022-10-01T21:22:55.463" v="263" actId="20577"/>
-      <pc:docMkLst>
-        <pc:docMk/>
-      </pc:docMkLst>
-      <pc:sldChg chg="addSp delSp modSp">
-        <pc:chgData name="Sébastien STREBELLE" userId="S::sebastien.strebelle@vinci.be::73885514-5da4-4c77-879d-93e833794f3a" providerId="AD" clId="Web-{3706FF07-33DD-75B9-D173-A317EB715BCE}" dt="2022-10-01T21:13:13.998" v="183" actId="14100"/>
-        <pc:sldMkLst>
-          <pc:docMk/>
-          <pc:sldMk cId="844415686" sldId="305"/>
-        </pc:sldMkLst>
-        <pc:spChg chg="mod">
-          <ac:chgData name="Sébastien STREBELLE" userId="S::sebastien.strebelle@vinci.be::73885514-5da4-4c77-879d-93e833794f3a" providerId="AD" clId="Web-{3706FF07-33DD-75B9-D173-A317EB715BCE}" dt="2022-10-01T20:49:20.068" v="9" actId="20577"/>
-          <ac:spMkLst>
-            <pc:docMk/>
-            <pc:sldMk cId="844415686" sldId="305"/>
-            <ac:spMk id="2" creationId="{5387821B-6970-4EE0-80B7-51533E14ED48}"/>
-          </ac:spMkLst>
-        </pc:spChg>
-        <pc:spChg chg="add mod">
-          <ac:chgData name="Sébastien STREBELLE" userId="S::sebastien.strebelle@vinci.be::73885514-5da4-4c77-879d-93e833794f3a" providerId="AD" clId="Web-{3706FF07-33DD-75B9-D173-A317EB715BCE}" dt="2022-10-01T21:12:58.745" v="182" actId="20577"/>
-          <ac:spMkLst>
-            <pc:docMk/>
-            <pc:sldMk cId="844415686" sldId="305"/>
-            <ac:spMk id="3" creationId="{2F8E4038-A953-6F1F-17D3-EFD527A9F7F6}"/>
-          </ac:spMkLst>
-        </pc:spChg>
-        <pc:picChg chg="add del mod">
-          <ac:chgData name="Sébastien STREBELLE" userId="S::sebastien.strebelle@vinci.be::73885514-5da4-4c77-879d-93e833794f3a" providerId="AD" clId="Web-{3706FF07-33DD-75B9-D173-A317EB715BCE}" dt="2022-10-01T21:02:36.945" v="90"/>
-          <ac:picMkLst>
-            <pc:docMk/>
-            <pc:sldMk cId="844415686" sldId="305"/>
-            <ac:picMk id="4" creationId="{EA060DFA-C9CB-0B76-E6FB-DC06B4E9A413}"/>
-          </ac:picMkLst>
-        </pc:picChg>
-        <pc:picChg chg="add mod">
-          <ac:chgData name="Sébastien STREBELLE" userId="S::sebastien.strebelle@vinci.be::73885514-5da4-4c77-879d-93e833794f3a" providerId="AD" clId="Web-{3706FF07-33DD-75B9-D173-A317EB715BCE}" dt="2022-10-01T21:13:13.998" v="183" actId="14100"/>
-          <ac:picMkLst>
-            <pc:docMk/>
-            <pc:sldMk cId="844415686" sldId="305"/>
-            <ac:picMk id="5" creationId="{5FA44C90-4441-0A8B-160A-D577EF19637B}"/>
-          </ac:picMkLst>
-        </pc:picChg>
-      </pc:sldChg>
-      <pc:sldChg chg="del">
-        <pc:chgData name="Sébastien STREBELLE" userId="S::sebastien.strebelle@vinci.be::73885514-5da4-4c77-879d-93e833794f3a" providerId="AD" clId="Web-{3706FF07-33DD-75B9-D173-A317EB715BCE}" dt="2022-10-01T21:18:03.408" v="187"/>
-        <pc:sldMkLst>
-          <pc:docMk/>
-          <pc:sldMk cId="3475575509" sldId="306"/>
-        </pc:sldMkLst>
-      </pc:sldChg>
-      <pc:sldChg chg="modSp del">
-        <pc:chgData name="Sébastien STREBELLE" userId="S::sebastien.strebelle@vinci.be::73885514-5da4-4c77-879d-93e833794f3a" providerId="AD" clId="Web-{3706FF07-33DD-75B9-D173-A317EB715BCE}" dt="2022-10-01T21:04:42.333" v="112"/>
-        <pc:sldMkLst>
-          <pc:docMk/>
-          <pc:sldMk cId="2823931696" sldId="307"/>
-        </pc:sldMkLst>
-        <pc:spChg chg="mod">
-          <ac:chgData name="Sébastien STREBELLE" userId="S::sebastien.strebelle@vinci.be::73885514-5da4-4c77-879d-93e833794f3a" providerId="AD" clId="Web-{3706FF07-33DD-75B9-D173-A317EB715BCE}" dt="2022-10-01T20:51:55.329" v="19" actId="20577"/>
-          <ac:spMkLst>
-            <pc:docMk/>
-            <pc:sldMk cId="2823931696" sldId="307"/>
-            <ac:spMk id="2" creationId="{5387821B-6970-4EE0-80B7-51533E14ED48}"/>
-          </ac:spMkLst>
-        </pc:spChg>
-      </pc:sldChg>
-      <pc:sldChg chg="delSp modSp add replId">
-        <pc:chgData name="Sébastien STREBELLE" userId="S::sebastien.strebelle@vinci.be::73885514-5da4-4c77-879d-93e833794f3a" providerId="AD" clId="Web-{3706FF07-33DD-75B9-D173-A317EB715BCE}" dt="2022-10-01T21:15:02.943" v="186" actId="20577"/>
-        <pc:sldMkLst>
-          <pc:docMk/>
-          <pc:sldMk cId="371908746" sldId="308"/>
-        </pc:sldMkLst>
-        <pc:spChg chg="mod">
-          <ac:chgData name="Sébastien STREBELLE" userId="S::sebastien.strebelle@vinci.be::73885514-5da4-4c77-879d-93e833794f3a" providerId="AD" clId="Web-{3706FF07-33DD-75B9-D173-A317EB715BCE}" dt="2022-10-01T21:04:51.396" v="119" actId="20577"/>
-          <ac:spMkLst>
-            <pc:docMk/>
-            <pc:sldMk cId="371908746" sldId="308"/>
-            <ac:spMk id="2" creationId="{5387821B-6970-4EE0-80B7-51533E14ED48}"/>
-          </ac:spMkLst>
-        </pc:spChg>
-        <pc:spChg chg="mod">
-          <ac:chgData name="Sébastien STREBELLE" userId="S::sebastien.strebelle@vinci.be::73885514-5da4-4c77-879d-93e833794f3a" providerId="AD" clId="Web-{3706FF07-33DD-75B9-D173-A317EB715BCE}" dt="2022-10-01T21:15:02.943" v="186" actId="20577"/>
-          <ac:spMkLst>
-            <pc:docMk/>
-            <pc:sldMk cId="371908746" sldId="308"/>
-            <ac:spMk id="3" creationId="{2F8E4038-A953-6F1F-17D3-EFD527A9F7F6}"/>
-          </ac:spMkLst>
-        </pc:spChg>
-        <pc:picChg chg="del">
-          <ac:chgData name="Sébastien STREBELLE" userId="S::sebastien.strebelle@vinci.be::73885514-5da4-4c77-879d-93e833794f3a" providerId="AD" clId="Web-{3706FF07-33DD-75B9-D173-A317EB715BCE}" dt="2022-10-01T21:04:58.162" v="122"/>
-          <ac:picMkLst>
-            <pc:docMk/>
-            <pc:sldMk cId="371908746" sldId="308"/>
-            <ac:picMk id="5" creationId="{5FA44C90-4441-0A8B-160A-D577EF19637B}"/>
-          </ac:picMkLst>
-        </pc:picChg>
-      </pc:sldChg>
-      <pc:sldChg chg="modSp add ord replId">
-        <pc:chgData name="Sébastien STREBELLE" userId="S::sebastien.strebelle@vinci.be::73885514-5da4-4c77-879d-93e833794f3a" providerId="AD" clId="Web-{3706FF07-33DD-75B9-D173-A317EB715BCE}" dt="2022-10-01T21:18:22.440" v="194" actId="20577"/>
-        <pc:sldMkLst>
-          <pc:docMk/>
-          <pc:sldMk cId="1655756451" sldId="309"/>
-        </pc:sldMkLst>
-        <pc:spChg chg="mod">
-          <ac:chgData name="Sébastien STREBELLE" userId="S::sebastien.strebelle@vinci.be::73885514-5da4-4c77-879d-93e833794f3a" providerId="AD" clId="Web-{3706FF07-33DD-75B9-D173-A317EB715BCE}" dt="2022-10-01T21:18:22.440" v="194" actId="20577"/>
-          <ac:spMkLst>
-            <pc:docMk/>
-            <pc:sldMk cId="1655756451" sldId="309"/>
-            <ac:spMk id="2" creationId="{5387821B-6970-4EE0-80B7-51533E14ED48}"/>
-          </ac:spMkLst>
-        </pc:spChg>
-      </pc:sldChg>
-      <pc:sldChg chg="modSp add ord replId">
-        <pc:chgData name="Sébastien STREBELLE" userId="S::sebastien.strebelle@vinci.be::73885514-5da4-4c77-879d-93e833794f3a" providerId="AD" clId="Web-{3706FF07-33DD-75B9-D173-A317EB715BCE}" dt="2022-10-01T21:22:55.463" v="263" actId="20577"/>
-        <pc:sldMkLst>
-          <pc:docMk/>
-          <pc:sldMk cId="2506182426" sldId="310"/>
-        </pc:sldMkLst>
-        <pc:spChg chg="mod">
-          <ac:chgData name="Sébastien STREBELLE" userId="S::sebastien.strebelle@vinci.be::73885514-5da4-4c77-879d-93e833794f3a" providerId="AD" clId="Web-{3706FF07-33DD-75B9-D173-A317EB715BCE}" dt="2022-10-01T21:19:07.740" v="199" actId="20577"/>
-          <ac:spMkLst>
-            <pc:docMk/>
-            <pc:sldMk cId="2506182426" sldId="310"/>
-            <ac:spMk id="2" creationId="{5387821B-6970-4EE0-80B7-51533E14ED48}"/>
-          </ac:spMkLst>
-        </pc:spChg>
-        <pc:spChg chg="mod">
-          <ac:chgData name="Sébastien STREBELLE" userId="S::sebastien.strebelle@vinci.be::73885514-5da4-4c77-879d-93e833794f3a" providerId="AD" clId="Web-{3706FF07-33DD-75B9-D173-A317EB715BCE}" dt="2022-10-01T21:22:55.463" v="263" actId="20577"/>
-          <ac:spMkLst>
-            <pc:docMk/>
-            <pc:sldMk cId="2506182426" sldId="310"/>
-            <ac:spMk id="3" creationId="{2F8E4038-A953-6F1F-17D3-EFD527A9F7F6}"/>
-          </ac:spMkLst>
-        </pc:spChg>
       </pc:sldChg>
     </pc:docChg>
   </pc:docChgLst>
@@ -1137,6 +654,261 @@
             <ac:picMk id="9" creationId="{D6F961B2-2DF6-F55D-545E-F63D67145C45}"/>
           </ac:picMkLst>
         </pc:picChg>
+      </pc:sldChg>
+    </pc:docChg>
+  </pc:docChgLst>
+  <pc:docChgLst>
+    <pc:chgData name="Sébastien STREBELLE" userId="73885514-5da4-4c77-879d-93e833794f3a" providerId="ADAL" clId="{4B4CBF7D-4B99-8F41-84F3-11B3D7DAEC20}"/>
+    <pc:docChg chg="custSel addSld modSld">
+      <pc:chgData name="Sébastien STREBELLE" userId="73885514-5da4-4c77-879d-93e833794f3a" providerId="ADAL" clId="{4B4CBF7D-4B99-8F41-84F3-11B3D7DAEC20}" dt="2023-09-27T17:32:52.898" v="697" actId="114"/>
+      <pc:docMkLst>
+        <pc:docMk/>
+      </pc:docMkLst>
+      <pc:sldChg chg="modSp mod">
+        <pc:chgData name="Sébastien STREBELLE" userId="73885514-5da4-4c77-879d-93e833794f3a" providerId="ADAL" clId="{4B4CBF7D-4B99-8F41-84F3-11B3D7DAEC20}" dt="2023-09-27T09:14:39.320" v="24" actId="20577"/>
+        <pc:sldMkLst>
+          <pc:docMk/>
+          <pc:sldMk cId="2572945855" sldId="256"/>
+        </pc:sldMkLst>
+        <pc:spChg chg="mod">
+          <ac:chgData name="Sébastien STREBELLE" userId="73885514-5da4-4c77-879d-93e833794f3a" providerId="ADAL" clId="{4B4CBF7D-4B99-8F41-84F3-11B3D7DAEC20}" dt="2023-09-27T09:14:25.530" v="6" actId="20577"/>
+          <ac:spMkLst>
+            <pc:docMk/>
+            <pc:sldMk cId="2572945855" sldId="256"/>
+            <ac:spMk id="29" creationId="{5AF42A25-0493-4E12-B65F-57D107A706D5}"/>
+          </ac:spMkLst>
+        </pc:spChg>
+        <pc:spChg chg="mod">
+          <ac:chgData name="Sébastien STREBELLE" userId="73885514-5da4-4c77-879d-93e833794f3a" providerId="ADAL" clId="{4B4CBF7D-4B99-8F41-84F3-11B3D7DAEC20}" dt="2023-09-27T09:14:39.320" v="24" actId="20577"/>
+          <ac:spMkLst>
+            <pc:docMk/>
+            <pc:sldMk cId="2572945855" sldId="256"/>
+            <ac:spMk id="30" creationId="{7B9BDEE1-A208-4642-B50F-3B97DAAAF184}"/>
+          </ac:spMkLst>
+        </pc:spChg>
+      </pc:sldChg>
+      <pc:sldChg chg="modSp mod">
+        <pc:chgData name="Sébastien STREBELLE" userId="73885514-5da4-4c77-879d-93e833794f3a" providerId="ADAL" clId="{4B4CBF7D-4B99-8F41-84F3-11B3D7DAEC20}" dt="2023-09-27T09:48:21.659" v="39" actId="20577"/>
+        <pc:sldMkLst>
+          <pc:docMk/>
+          <pc:sldMk cId="860365720" sldId="319"/>
+        </pc:sldMkLst>
+        <pc:spChg chg="mod">
+          <ac:chgData name="Sébastien STREBELLE" userId="73885514-5da4-4c77-879d-93e833794f3a" providerId="ADAL" clId="{4B4CBF7D-4B99-8F41-84F3-11B3D7DAEC20}" dt="2023-09-27T09:48:21.659" v="39" actId="20577"/>
+          <ac:spMkLst>
+            <pc:docMk/>
+            <pc:sldMk cId="860365720" sldId="319"/>
+            <ac:spMk id="3" creationId="{2F8E4038-A953-6F1F-17D3-EFD527A9F7F6}"/>
+          </ac:spMkLst>
+        </pc:spChg>
+      </pc:sldChg>
+      <pc:sldChg chg="modSp mod">
+        <pc:chgData name="Sébastien STREBELLE" userId="73885514-5da4-4c77-879d-93e833794f3a" providerId="ADAL" clId="{4B4CBF7D-4B99-8F41-84F3-11B3D7DAEC20}" dt="2023-09-27T17:32:52.898" v="697" actId="114"/>
+        <pc:sldMkLst>
+          <pc:docMk/>
+          <pc:sldMk cId="1595141369" sldId="324"/>
+        </pc:sldMkLst>
+        <pc:spChg chg="mod">
+          <ac:chgData name="Sébastien STREBELLE" userId="73885514-5da4-4c77-879d-93e833794f3a" providerId="ADAL" clId="{4B4CBF7D-4B99-8F41-84F3-11B3D7DAEC20}" dt="2023-09-27T17:32:52.898" v="697" actId="114"/>
+          <ac:spMkLst>
+            <pc:docMk/>
+            <pc:sldMk cId="1595141369" sldId="324"/>
+            <ac:spMk id="3" creationId="{2F8E4038-A953-6F1F-17D3-EFD527A9F7F6}"/>
+          </ac:spMkLst>
+        </pc:spChg>
+      </pc:sldChg>
+      <pc:sldChg chg="delSp modSp add mod setBg delDesignElem">
+        <pc:chgData name="Sébastien STREBELLE" userId="73885514-5da4-4c77-879d-93e833794f3a" providerId="ADAL" clId="{4B4CBF7D-4B99-8F41-84F3-11B3D7DAEC20}" dt="2023-09-27T09:53:27.691" v="63" actId="20577"/>
+        <pc:sldMkLst>
+          <pc:docMk/>
+          <pc:sldMk cId="1335865984" sldId="327"/>
+        </pc:sldMkLst>
+        <pc:spChg chg="mod">
+          <ac:chgData name="Sébastien STREBELLE" userId="73885514-5da4-4c77-879d-93e833794f3a" providerId="ADAL" clId="{4B4CBF7D-4B99-8F41-84F3-11B3D7DAEC20}" dt="2023-09-27T09:53:27.691" v="63" actId="20577"/>
+          <ac:spMkLst>
+            <pc:docMk/>
+            <pc:sldMk cId="1335865984" sldId="327"/>
+            <ac:spMk id="2" creationId="{5387821B-6970-4EE0-80B7-51533E14ED48}"/>
+          </ac:spMkLst>
+        </pc:spChg>
+        <pc:spChg chg="del">
+          <ac:chgData name="Sébastien STREBELLE" userId="73885514-5da4-4c77-879d-93e833794f3a" providerId="ADAL" clId="{4B4CBF7D-4B99-8F41-84F3-11B3D7DAEC20}" dt="2023-09-27T09:53:11.345" v="41"/>
+          <ac:spMkLst>
+            <pc:docMk/>
+            <pc:sldMk cId="1335865984" sldId="327"/>
+            <ac:spMk id="12" creationId="{3CD9DF72-87A3-404E-A828-84CBF11A8303}"/>
+          </ac:spMkLst>
+        </pc:spChg>
+        <pc:cxnChg chg="del">
+          <ac:chgData name="Sébastien STREBELLE" userId="73885514-5da4-4c77-879d-93e833794f3a" providerId="ADAL" clId="{4B4CBF7D-4B99-8F41-84F3-11B3D7DAEC20}" dt="2023-09-27T09:53:11.345" v="41"/>
+          <ac:cxnSpMkLst>
+            <pc:docMk/>
+            <pc:sldMk cId="1335865984" sldId="327"/>
+            <ac:cxnSpMk id="14" creationId="{20E3A342-4D61-4E3F-AF90-1AB42AEB96CC}"/>
+          </ac:cxnSpMkLst>
+        </pc:cxnChg>
+      </pc:sldChg>
+      <pc:sldChg chg="modSp add mod">
+        <pc:chgData name="Sébastien STREBELLE" userId="73885514-5da4-4c77-879d-93e833794f3a" providerId="ADAL" clId="{4B4CBF7D-4B99-8F41-84F3-11B3D7DAEC20}" dt="2023-09-27T10:19:52.312" v="405" actId="120"/>
+        <pc:sldMkLst>
+          <pc:docMk/>
+          <pc:sldMk cId="1892562791" sldId="328"/>
+        </pc:sldMkLst>
+        <pc:spChg chg="mod">
+          <ac:chgData name="Sébastien STREBELLE" userId="73885514-5da4-4c77-879d-93e833794f3a" providerId="ADAL" clId="{4B4CBF7D-4B99-8F41-84F3-11B3D7DAEC20}" dt="2023-09-27T09:53:50.373" v="86" actId="20577"/>
+          <ac:spMkLst>
+            <pc:docMk/>
+            <pc:sldMk cId="1892562791" sldId="328"/>
+            <ac:spMk id="2" creationId="{5387821B-6970-4EE0-80B7-51533E14ED48}"/>
+          </ac:spMkLst>
+        </pc:spChg>
+        <pc:spChg chg="mod">
+          <ac:chgData name="Sébastien STREBELLE" userId="73885514-5da4-4c77-879d-93e833794f3a" providerId="ADAL" clId="{4B4CBF7D-4B99-8F41-84F3-11B3D7DAEC20}" dt="2023-09-27T10:19:52.312" v="405" actId="120"/>
+          <ac:spMkLst>
+            <pc:docMk/>
+            <pc:sldMk cId="1892562791" sldId="328"/>
+            <ac:spMk id="3" creationId="{2F8E4038-A953-6F1F-17D3-EFD527A9F7F6}"/>
+          </ac:spMkLst>
+        </pc:spChg>
+      </pc:sldChg>
+    </pc:docChg>
+  </pc:docChgLst>
+  <pc:docChgLst>
+    <pc:chgData name="Sébastien STREBELLE" userId="S::sebastien.strebelle@vinci.be::73885514-5da4-4c77-879d-93e833794f3a" providerId="AD" clId="Web-{3706FF07-33DD-75B9-D173-A317EB715BCE}"/>
+    <pc:docChg chg="addSld delSld modSld sldOrd">
+      <pc:chgData name="Sébastien STREBELLE" userId="S::sebastien.strebelle@vinci.be::73885514-5da4-4c77-879d-93e833794f3a" providerId="AD" clId="Web-{3706FF07-33DD-75B9-D173-A317EB715BCE}" dt="2022-10-01T21:22:55.463" v="263" actId="20577"/>
+      <pc:docMkLst>
+        <pc:docMk/>
+      </pc:docMkLst>
+      <pc:sldChg chg="addSp delSp modSp">
+        <pc:chgData name="Sébastien STREBELLE" userId="S::sebastien.strebelle@vinci.be::73885514-5da4-4c77-879d-93e833794f3a" providerId="AD" clId="Web-{3706FF07-33DD-75B9-D173-A317EB715BCE}" dt="2022-10-01T21:13:13.998" v="183" actId="14100"/>
+        <pc:sldMkLst>
+          <pc:docMk/>
+          <pc:sldMk cId="844415686" sldId="305"/>
+        </pc:sldMkLst>
+        <pc:spChg chg="mod">
+          <ac:chgData name="Sébastien STREBELLE" userId="S::sebastien.strebelle@vinci.be::73885514-5da4-4c77-879d-93e833794f3a" providerId="AD" clId="Web-{3706FF07-33DD-75B9-D173-A317EB715BCE}" dt="2022-10-01T20:49:20.068" v="9" actId="20577"/>
+          <ac:spMkLst>
+            <pc:docMk/>
+            <pc:sldMk cId="844415686" sldId="305"/>
+            <ac:spMk id="2" creationId="{5387821B-6970-4EE0-80B7-51533E14ED48}"/>
+          </ac:spMkLst>
+        </pc:spChg>
+        <pc:spChg chg="add mod">
+          <ac:chgData name="Sébastien STREBELLE" userId="S::sebastien.strebelle@vinci.be::73885514-5da4-4c77-879d-93e833794f3a" providerId="AD" clId="Web-{3706FF07-33DD-75B9-D173-A317EB715BCE}" dt="2022-10-01T21:12:58.745" v="182" actId="20577"/>
+          <ac:spMkLst>
+            <pc:docMk/>
+            <pc:sldMk cId="844415686" sldId="305"/>
+            <ac:spMk id="3" creationId="{2F8E4038-A953-6F1F-17D3-EFD527A9F7F6}"/>
+          </ac:spMkLst>
+        </pc:spChg>
+        <pc:picChg chg="add del mod">
+          <ac:chgData name="Sébastien STREBELLE" userId="S::sebastien.strebelle@vinci.be::73885514-5da4-4c77-879d-93e833794f3a" providerId="AD" clId="Web-{3706FF07-33DD-75B9-D173-A317EB715BCE}" dt="2022-10-01T21:02:36.945" v="90"/>
+          <ac:picMkLst>
+            <pc:docMk/>
+            <pc:sldMk cId="844415686" sldId="305"/>
+            <ac:picMk id="4" creationId="{EA060DFA-C9CB-0B76-E6FB-DC06B4E9A413}"/>
+          </ac:picMkLst>
+        </pc:picChg>
+        <pc:picChg chg="add mod">
+          <ac:chgData name="Sébastien STREBELLE" userId="S::sebastien.strebelle@vinci.be::73885514-5da4-4c77-879d-93e833794f3a" providerId="AD" clId="Web-{3706FF07-33DD-75B9-D173-A317EB715BCE}" dt="2022-10-01T21:13:13.998" v="183" actId="14100"/>
+          <ac:picMkLst>
+            <pc:docMk/>
+            <pc:sldMk cId="844415686" sldId="305"/>
+            <ac:picMk id="5" creationId="{5FA44C90-4441-0A8B-160A-D577EF19637B}"/>
+          </ac:picMkLst>
+        </pc:picChg>
+      </pc:sldChg>
+      <pc:sldChg chg="del">
+        <pc:chgData name="Sébastien STREBELLE" userId="S::sebastien.strebelle@vinci.be::73885514-5da4-4c77-879d-93e833794f3a" providerId="AD" clId="Web-{3706FF07-33DD-75B9-D173-A317EB715BCE}" dt="2022-10-01T21:18:03.408" v="187"/>
+        <pc:sldMkLst>
+          <pc:docMk/>
+          <pc:sldMk cId="3475575509" sldId="306"/>
+        </pc:sldMkLst>
+      </pc:sldChg>
+      <pc:sldChg chg="modSp del">
+        <pc:chgData name="Sébastien STREBELLE" userId="S::sebastien.strebelle@vinci.be::73885514-5da4-4c77-879d-93e833794f3a" providerId="AD" clId="Web-{3706FF07-33DD-75B9-D173-A317EB715BCE}" dt="2022-10-01T21:04:42.333" v="112"/>
+        <pc:sldMkLst>
+          <pc:docMk/>
+          <pc:sldMk cId="2823931696" sldId="307"/>
+        </pc:sldMkLst>
+        <pc:spChg chg="mod">
+          <ac:chgData name="Sébastien STREBELLE" userId="S::sebastien.strebelle@vinci.be::73885514-5da4-4c77-879d-93e833794f3a" providerId="AD" clId="Web-{3706FF07-33DD-75B9-D173-A317EB715BCE}" dt="2022-10-01T20:51:55.329" v="19" actId="20577"/>
+          <ac:spMkLst>
+            <pc:docMk/>
+            <pc:sldMk cId="2823931696" sldId="307"/>
+            <ac:spMk id="2" creationId="{5387821B-6970-4EE0-80B7-51533E14ED48}"/>
+          </ac:spMkLst>
+        </pc:spChg>
+      </pc:sldChg>
+      <pc:sldChg chg="delSp modSp add replId">
+        <pc:chgData name="Sébastien STREBELLE" userId="S::sebastien.strebelle@vinci.be::73885514-5da4-4c77-879d-93e833794f3a" providerId="AD" clId="Web-{3706FF07-33DD-75B9-D173-A317EB715BCE}" dt="2022-10-01T21:15:02.943" v="186" actId="20577"/>
+        <pc:sldMkLst>
+          <pc:docMk/>
+          <pc:sldMk cId="371908746" sldId="308"/>
+        </pc:sldMkLst>
+        <pc:spChg chg="mod">
+          <ac:chgData name="Sébastien STREBELLE" userId="S::sebastien.strebelle@vinci.be::73885514-5da4-4c77-879d-93e833794f3a" providerId="AD" clId="Web-{3706FF07-33DD-75B9-D173-A317EB715BCE}" dt="2022-10-01T21:04:51.396" v="119" actId="20577"/>
+          <ac:spMkLst>
+            <pc:docMk/>
+            <pc:sldMk cId="371908746" sldId="308"/>
+            <ac:spMk id="2" creationId="{5387821B-6970-4EE0-80B7-51533E14ED48}"/>
+          </ac:spMkLst>
+        </pc:spChg>
+        <pc:spChg chg="mod">
+          <ac:chgData name="Sébastien STREBELLE" userId="S::sebastien.strebelle@vinci.be::73885514-5da4-4c77-879d-93e833794f3a" providerId="AD" clId="Web-{3706FF07-33DD-75B9-D173-A317EB715BCE}" dt="2022-10-01T21:15:02.943" v="186" actId="20577"/>
+          <ac:spMkLst>
+            <pc:docMk/>
+            <pc:sldMk cId="371908746" sldId="308"/>
+            <ac:spMk id="3" creationId="{2F8E4038-A953-6F1F-17D3-EFD527A9F7F6}"/>
+          </ac:spMkLst>
+        </pc:spChg>
+        <pc:picChg chg="del">
+          <ac:chgData name="Sébastien STREBELLE" userId="S::sebastien.strebelle@vinci.be::73885514-5da4-4c77-879d-93e833794f3a" providerId="AD" clId="Web-{3706FF07-33DD-75B9-D173-A317EB715BCE}" dt="2022-10-01T21:04:58.162" v="122"/>
+          <ac:picMkLst>
+            <pc:docMk/>
+            <pc:sldMk cId="371908746" sldId="308"/>
+            <ac:picMk id="5" creationId="{5FA44C90-4441-0A8B-160A-D577EF19637B}"/>
+          </ac:picMkLst>
+        </pc:picChg>
+      </pc:sldChg>
+      <pc:sldChg chg="modSp add ord replId">
+        <pc:chgData name="Sébastien STREBELLE" userId="S::sebastien.strebelle@vinci.be::73885514-5da4-4c77-879d-93e833794f3a" providerId="AD" clId="Web-{3706FF07-33DD-75B9-D173-A317EB715BCE}" dt="2022-10-01T21:18:22.440" v="194" actId="20577"/>
+        <pc:sldMkLst>
+          <pc:docMk/>
+          <pc:sldMk cId="1655756451" sldId="309"/>
+        </pc:sldMkLst>
+        <pc:spChg chg="mod">
+          <ac:chgData name="Sébastien STREBELLE" userId="S::sebastien.strebelle@vinci.be::73885514-5da4-4c77-879d-93e833794f3a" providerId="AD" clId="Web-{3706FF07-33DD-75B9-D173-A317EB715BCE}" dt="2022-10-01T21:18:22.440" v="194" actId="20577"/>
+          <ac:spMkLst>
+            <pc:docMk/>
+            <pc:sldMk cId="1655756451" sldId="309"/>
+            <ac:spMk id="2" creationId="{5387821B-6970-4EE0-80B7-51533E14ED48}"/>
+          </ac:spMkLst>
+        </pc:spChg>
+      </pc:sldChg>
+      <pc:sldChg chg="modSp add ord replId">
+        <pc:chgData name="Sébastien STREBELLE" userId="S::sebastien.strebelle@vinci.be::73885514-5da4-4c77-879d-93e833794f3a" providerId="AD" clId="Web-{3706FF07-33DD-75B9-D173-A317EB715BCE}" dt="2022-10-01T21:22:55.463" v="263" actId="20577"/>
+        <pc:sldMkLst>
+          <pc:docMk/>
+          <pc:sldMk cId="2506182426" sldId="310"/>
+        </pc:sldMkLst>
+        <pc:spChg chg="mod">
+          <ac:chgData name="Sébastien STREBELLE" userId="S::sebastien.strebelle@vinci.be::73885514-5da4-4c77-879d-93e833794f3a" providerId="AD" clId="Web-{3706FF07-33DD-75B9-D173-A317EB715BCE}" dt="2022-10-01T21:19:07.740" v="199" actId="20577"/>
+          <ac:spMkLst>
+            <pc:docMk/>
+            <pc:sldMk cId="2506182426" sldId="310"/>
+            <ac:spMk id="2" creationId="{5387821B-6970-4EE0-80B7-51533E14ED48}"/>
+          </ac:spMkLst>
+        </pc:spChg>
+        <pc:spChg chg="mod">
+          <ac:chgData name="Sébastien STREBELLE" userId="S::sebastien.strebelle@vinci.be::73885514-5da4-4c77-879d-93e833794f3a" providerId="AD" clId="Web-{3706FF07-33DD-75B9-D173-A317EB715BCE}" dt="2022-10-01T21:22:55.463" v="263" actId="20577"/>
+          <ac:spMkLst>
+            <pc:docMk/>
+            <pc:sldMk cId="2506182426" sldId="310"/>
+            <ac:spMk id="3" creationId="{2F8E4038-A953-6F1F-17D3-EFD527A9F7F6}"/>
+          </ac:spMkLst>
+        </pc:spChg>
       </pc:sldChg>
     </pc:docChg>
   </pc:docChgLst>
@@ -2041,6 +1813,234 @@
       </pc:sldChg>
     </pc:docChg>
   </pc:docChgLst>
+  <pc:docChgLst>
+    <pc:chgData name="Sébastien STREBELLE" userId="73885514-5da4-4c77-879d-93e833794f3a" providerId="ADAL" clId="{494C457D-67F9-D34C-979A-B9BE3AAEC0BF}"/>
+    <pc:docChg chg="undo custSel addSld delSld modSld">
+      <pc:chgData name="Sébastien STREBELLE" userId="73885514-5da4-4c77-879d-93e833794f3a" providerId="ADAL" clId="{494C457D-67F9-D34C-979A-B9BE3AAEC0BF}" dt="2022-09-30T11:59:25.224" v="99" actId="20577"/>
+      <pc:docMkLst>
+        <pc:docMk/>
+      </pc:docMkLst>
+      <pc:sldChg chg="modSp mod">
+        <pc:chgData name="Sébastien STREBELLE" userId="73885514-5da4-4c77-879d-93e833794f3a" providerId="ADAL" clId="{494C457D-67F9-D34C-979A-B9BE3AAEC0BF}" dt="2022-09-29T15:55:52.868" v="1" actId="20577"/>
+        <pc:sldMkLst>
+          <pc:docMk/>
+          <pc:sldMk cId="2572945855" sldId="256"/>
+        </pc:sldMkLst>
+        <pc:spChg chg="mod">
+          <ac:chgData name="Sébastien STREBELLE" userId="73885514-5da4-4c77-879d-93e833794f3a" providerId="ADAL" clId="{494C457D-67F9-D34C-979A-B9BE3AAEC0BF}" dt="2022-09-29T15:55:52.868" v="1" actId="20577"/>
+          <ac:spMkLst>
+            <pc:docMk/>
+            <pc:sldMk cId="2572945855" sldId="256"/>
+            <ac:spMk id="29" creationId="{5AF42A25-0493-4E12-B65F-57D107A706D5}"/>
+          </ac:spMkLst>
+        </pc:spChg>
+      </pc:sldChg>
+      <pc:sldChg chg="del">
+        <pc:chgData name="Sébastien STREBELLE" userId="73885514-5da4-4c77-879d-93e833794f3a" providerId="ADAL" clId="{494C457D-67F9-D34C-979A-B9BE3AAEC0BF}" dt="2022-09-30T11:55:45.933" v="35" actId="2696"/>
+        <pc:sldMkLst>
+          <pc:docMk/>
+          <pc:sldMk cId="3221569109" sldId="278"/>
+        </pc:sldMkLst>
+      </pc:sldChg>
+      <pc:sldChg chg="del">
+        <pc:chgData name="Sébastien STREBELLE" userId="73885514-5da4-4c77-879d-93e833794f3a" providerId="ADAL" clId="{494C457D-67F9-D34C-979A-B9BE3AAEC0BF}" dt="2022-09-30T11:55:45.677" v="34" actId="2696"/>
+        <pc:sldMkLst>
+          <pc:docMk/>
+          <pc:sldMk cId="1133146985" sldId="298"/>
+        </pc:sldMkLst>
+      </pc:sldChg>
+      <pc:sldChg chg="del">
+        <pc:chgData name="Sébastien STREBELLE" userId="73885514-5da4-4c77-879d-93e833794f3a" providerId="ADAL" clId="{494C457D-67F9-D34C-979A-B9BE3AAEC0BF}" dt="2022-09-30T11:55:48.215" v="44" actId="2696"/>
+        <pc:sldMkLst>
+          <pc:docMk/>
+          <pc:sldMk cId="1550669960" sldId="299"/>
+        </pc:sldMkLst>
+      </pc:sldChg>
+      <pc:sldChg chg="modSp mod">
+        <pc:chgData name="Sébastien STREBELLE" userId="73885514-5da4-4c77-879d-93e833794f3a" providerId="ADAL" clId="{494C457D-67F9-D34C-979A-B9BE3AAEC0BF}" dt="2022-09-29T15:56:12.933" v="29" actId="20577"/>
+        <pc:sldMkLst>
+          <pc:docMk/>
+          <pc:sldMk cId="2117265424" sldId="301"/>
+        </pc:sldMkLst>
+        <pc:spChg chg="mod">
+          <ac:chgData name="Sébastien STREBELLE" userId="73885514-5da4-4c77-879d-93e833794f3a" providerId="ADAL" clId="{494C457D-67F9-D34C-979A-B9BE3AAEC0BF}" dt="2022-09-29T15:56:12.933" v="29" actId="20577"/>
+          <ac:spMkLst>
+            <pc:docMk/>
+            <pc:sldMk cId="2117265424" sldId="301"/>
+            <ac:spMk id="2" creationId="{5387821B-6970-4EE0-80B7-51533E14ED48}"/>
+          </ac:spMkLst>
+        </pc:spChg>
+      </pc:sldChg>
+      <pc:sldChg chg="del">
+        <pc:chgData name="Sébastien STREBELLE" userId="73885514-5da4-4c77-879d-93e833794f3a" providerId="ADAL" clId="{494C457D-67F9-D34C-979A-B9BE3AAEC0BF}" dt="2022-09-30T11:55:45.363" v="33" actId="2696"/>
+        <pc:sldMkLst>
+          <pc:docMk/>
+          <pc:sldMk cId="1768004219" sldId="302"/>
+        </pc:sldMkLst>
+      </pc:sldChg>
+      <pc:sldChg chg="del">
+        <pc:chgData name="Sébastien STREBELLE" userId="73885514-5da4-4c77-879d-93e833794f3a" providerId="ADAL" clId="{494C457D-67F9-D34C-979A-B9BE3AAEC0BF}" dt="2022-09-30T11:55:46.346" v="37" actId="2696"/>
+        <pc:sldMkLst>
+          <pc:docMk/>
+          <pc:sldMk cId="2773465296" sldId="303"/>
+        </pc:sldMkLst>
+      </pc:sldChg>
+      <pc:sldChg chg="addSp delSp modSp mod">
+        <pc:chgData name="Sébastien STREBELLE" userId="73885514-5da4-4c77-879d-93e833794f3a" providerId="ADAL" clId="{494C457D-67F9-D34C-979A-B9BE3AAEC0BF}" dt="2022-09-30T11:58:11.890" v="88" actId="478"/>
+        <pc:sldMkLst>
+          <pc:docMk/>
+          <pc:sldMk cId="844415686" sldId="305"/>
+        </pc:sldMkLst>
+        <pc:spChg chg="mod">
+          <ac:chgData name="Sébastien STREBELLE" userId="73885514-5da4-4c77-879d-93e833794f3a" providerId="ADAL" clId="{494C457D-67F9-D34C-979A-B9BE3AAEC0BF}" dt="2022-09-30T11:58:04.131" v="86" actId="1076"/>
+          <ac:spMkLst>
+            <pc:docMk/>
+            <pc:sldMk cId="844415686" sldId="305"/>
+            <ac:spMk id="2" creationId="{5387821B-6970-4EE0-80B7-51533E14ED48}"/>
+          </ac:spMkLst>
+        </pc:spChg>
+        <pc:spChg chg="del mod">
+          <ac:chgData name="Sébastien STREBELLE" userId="73885514-5da4-4c77-879d-93e833794f3a" providerId="ADAL" clId="{494C457D-67F9-D34C-979A-B9BE3AAEC0BF}" dt="2022-09-30T11:57:38.142" v="82" actId="478"/>
+          <ac:spMkLst>
+            <pc:docMk/>
+            <pc:sldMk cId="844415686" sldId="305"/>
+            <ac:spMk id="3" creationId="{B4EC4071-1358-410F-88AD-2899F8A838AA}"/>
+          </ac:spMkLst>
+        </pc:spChg>
+        <pc:spChg chg="del mod">
+          <ac:chgData name="Sébastien STREBELLE" userId="73885514-5da4-4c77-879d-93e833794f3a" providerId="ADAL" clId="{494C457D-67F9-D34C-979A-B9BE3AAEC0BF}" dt="2022-09-30T11:58:11.890" v="88" actId="478"/>
+          <ac:spMkLst>
+            <pc:docMk/>
+            <pc:sldMk cId="844415686" sldId="305"/>
+            <ac:spMk id="5" creationId="{C872DA48-D761-44A1-9F04-119560C85310}"/>
+          </ac:spMkLst>
+        </pc:spChg>
+        <pc:spChg chg="add del mod">
+          <ac:chgData name="Sébastien STREBELLE" userId="73885514-5da4-4c77-879d-93e833794f3a" providerId="ADAL" clId="{494C457D-67F9-D34C-979A-B9BE3AAEC0BF}" dt="2022-09-30T11:57:46.786" v="84" actId="478"/>
+          <ac:spMkLst>
+            <pc:docMk/>
+            <pc:sldMk cId="844415686" sldId="305"/>
+            <ac:spMk id="8" creationId="{1A8C5BF0-428A-A44A-EEDA-27C9A2F56470}"/>
+          </ac:spMkLst>
+        </pc:spChg>
+        <pc:picChg chg="add del">
+          <ac:chgData name="Sébastien STREBELLE" userId="73885514-5da4-4c77-879d-93e833794f3a" providerId="ADAL" clId="{494C457D-67F9-D34C-979A-B9BE3AAEC0BF}" dt="2022-09-30T11:58:09.117" v="87" actId="478"/>
+          <ac:picMkLst>
+            <pc:docMk/>
+            <pc:sldMk cId="844415686" sldId="305"/>
+            <ac:picMk id="6" creationId="{B3952AF1-DDA9-3BAF-DF95-F71E36ACE887}"/>
+          </ac:picMkLst>
+        </pc:picChg>
+      </pc:sldChg>
+      <pc:sldChg chg="del">
+        <pc:chgData name="Sébastien STREBELLE" userId="73885514-5da4-4c77-879d-93e833794f3a" providerId="ADAL" clId="{494C457D-67F9-D34C-979A-B9BE3AAEC0BF}" dt="2022-09-30T11:55:44.613" v="31" actId="2696"/>
+        <pc:sldMkLst>
+          <pc:docMk/>
+          <pc:sldMk cId="1386929168" sldId="306"/>
+        </pc:sldMkLst>
+      </pc:sldChg>
+      <pc:sldChg chg="modSp add mod">
+        <pc:chgData name="Sébastien STREBELLE" userId="73885514-5da4-4c77-879d-93e833794f3a" providerId="ADAL" clId="{494C457D-67F9-D34C-979A-B9BE3AAEC0BF}" dt="2022-09-30T11:57:29.545" v="80" actId="20577"/>
+        <pc:sldMkLst>
+          <pc:docMk/>
+          <pc:sldMk cId="3475575509" sldId="306"/>
+        </pc:sldMkLst>
+        <pc:spChg chg="mod">
+          <ac:chgData name="Sébastien STREBELLE" userId="73885514-5da4-4c77-879d-93e833794f3a" providerId="ADAL" clId="{494C457D-67F9-D34C-979A-B9BE3AAEC0BF}" dt="2022-09-30T11:57:29.545" v="80" actId="20577"/>
+          <ac:spMkLst>
+            <pc:docMk/>
+            <pc:sldMk cId="3475575509" sldId="306"/>
+            <ac:spMk id="2" creationId="{5387821B-6970-4EE0-80B7-51533E14ED48}"/>
+          </ac:spMkLst>
+        </pc:spChg>
+      </pc:sldChg>
+      <pc:sldChg chg="del">
+        <pc:chgData name="Sébastien STREBELLE" userId="73885514-5da4-4c77-879d-93e833794f3a" providerId="ADAL" clId="{494C457D-67F9-D34C-979A-B9BE3AAEC0BF}" dt="2022-09-30T11:55:44.987" v="32" actId="2696"/>
+        <pc:sldMkLst>
+          <pc:docMk/>
+          <pc:sldMk cId="1687495354" sldId="307"/>
+        </pc:sldMkLst>
+      </pc:sldChg>
+      <pc:sldChg chg="modSp add mod">
+        <pc:chgData name="Sébastien STREBELLE" userId="73885514-5da4-4c77-879d-93e833794f3a" providerId="ADAL" clId="{494C457D-67F9-D34C-979A-B9BE3AAEC0BF}" dt="2022-09-30T11:59:25.224" v="99" actId="20577"/>
+        <pc:sldMkLst>
+          <pc:docMk/>
+          <pc:sldMk cId="2823931696" sldId="307"/>
+        </pc:sldMkLst>
+        <pc:spChg chg="mod">
+          <ac:chgData name="Sébastien STREBELLE" userId="73885514-5da4-4c77-879d-93e833794f3a" providerId="ADAL" clId="{494C457D-67F9-D34C-979A-B9BE3AAEC0BF}" dt="2022-09-30T11:59:25.224" v="99" actId="20577"/>
+          <ac:spMkLst>
+            <pc:docMk/>
+            <pc:sldMk cId="2823931696" sldId="307"/>
+            <ac:spMk id="2" creationId="{5387821B-6970-4EE0-80B7-51533E14ED48}"/>
+          </ac:spMkLst>
+        </pc:spChg>
+      </pc:sldChg>
+      <pc:sldChg chg="del">
+        <pc:chgData name="Sébastien STREBELLE" userId="73885514-5da4-4c77-879d-93e833794f3a" providerId="ADAL" clId="{494C457D-67F9-D34C-979A-B9BE3AAEC0BF}" dt="2022-09-30T11:55:44.182" v="30" actId="2696"/>
+        <pc:sldMkLst>
+          <pc:docMk/>
+          <pc:sldMk cId="1762130286" sldId="308"/>
+        </pc:sldMkLst>
+      </pc:sldChg>
+      <pc:sldChg chg="del">
+        <pc:chgData name="Sébastien STREBELLE" userId="73885514-5da4-4c77-879d-93e833794f3a" providerId="ADAL" clId="{494C457D-67F9-D34C-979A-B9BE3AAEC0BF}" dt="2022-09-30T11:55:46.111" v="36" actId="2696"/>
+        <pc:sldMkLst>
+          <pc:docMk/>
+          <pc:sldMk cId="2992295534" sldId="310"/>
+        </pc:sldMkLst>
+      </pc:sldChg>
+      <pc:sldChg chg="del">
+        <pc:chgData name="Sébastien STREBELLE" userId="73885514-5da4-4c77-879d-93e833794f3a" providerId="ADAL" clId="{494C457D-67F9-D34C-979A-B9BE3AAEC0BF}" dt="2022-09-30T11:55:46.554" v="38" actId="2696"/>
+        <pc:sldMkLst>
+          <pc:docMk/>
+          <pc:sldMk cId="814757410" sldId="311"/>
+        </pc:sldMkLst>
+      </pc:sldChg>
+      <pc:sldChg chg="del">
+        <pc:chgData name="Sébastien STREBELLE" userId="73885514-5da4-4c77-879d-93e833794f3a" providerId="ADAL" clId="{494C457D-67F9-D34C-979A-B9BE3AAEC0BF}" dt="2022-09-30T11:55:46.787" v="39" actId="2696"/>
+        <pc:sldMkLst>
+          <pc:docMk/>
+          <pc:sldMk cId="3806117448" sldId="312"/>
+        </pc:sldMkLst>
+      </pc:sldChg>
+      <pc:sldChg chg="del">
+        <pc:chgData name="Sébastien STREBELLE" userId="73885514-5da4-4c77-879d-93e833794f3a" providerId="ADAL" clId="{494C457D-67F9-D34C-979A-B9BE3AAEC0BF}" dt="2022-09-30T11:55:47.256" v="40" actId="2696"/>
+        <pc:sldMkLst>
+          <pc:docMk/>
+          <pc:sldMk cId="3108515462" sldId="313"/>
+        </pc:sldMkLst>
+      </pc:sldChg>
+      <pc:sldChg chg="del">
+        <pc:chgData name="Sébastien STREBELLE" userId="73885514-5da4-4c77-879d-93e833794f3a" providerId="ADAL" clId="{494C457D-67F9-D34C-979A-B9BE3AAEC0BF}" dt="2022-09-30T11:55:47.530" v="41" actId="2696"/>
+        <pc:sldMkLst>
+          <pc:docMk/>
+          <pc:sldMk cId="3836734183" sldId="314"/>
+        </pc:sldMkLst>
+      </pc:sldChg>
+      <pc:sldChg chg="del">
+        <pc:chgData name="Sébastien STREBELLE" userId="73885514-5da4-4c77-879d-93e833794f3a" providerId="ADAL" clId="{494C457D-67F9-D34C-979A-B9BE3AAEC0BF}" dt="2022-09-30T11:55:47.737" v="42" actId="2696"/>
+        <pc:sldMkLst>
+          <pc:docMk/>
+          <pc:sldMk cId="215407679" sldId="315"/>
+        </pc:sldMkLst>
+      </pc:sldChg>
+      <pc:sldChg chg="del">
+        <pc:chgData name="Sébastien STREBELLE" userId="73885514-5da4-4c77-879d-93e833794f3a" providerId="ADAL" clId="{494C457D-67F9-D34C-979A-B9BE3AAEC0BF}" dt="2022-09-30T11:55:47.957" v="43" actId="2696"/>
+        <pc:sldMkLst>
+          <pc:docMk/>
+          <pc:sldMk cId="2973239992" sldId="316"/>
+        </pc:sldMkLst>
+      </pc:sldChg>
+      <pc:sldChg chg="del">
+        <pc:chgData name="Sébastien STREBELLE" userId="73885514-5da4-4c77-879d-93e833794f3a" providerId="ADAL" clId="{494C457D-67F9-D34C-979A-B9BE3AAEC0BF}" dt="2022-09-30T11:55:49.080" v="45" actId="2696"/>
+        <pc:sldMkLst>
+          <pc:docMk/>
+          <pc:sldMk cId="2938391347" sldId="317"/>
+        </pc:sldMkLst>
+      </pc:sldChg>
+    </pc:docChg>
+  </pc:docChgLst>
 </pc:chgInfo>
 </file>
 
@@ -2126,7 +2126,7 @@
           <a:p>
             <a:fld id="{4CA411CF-3FDE-4EBA-8246-EC28F7730D7C}" type="datetimeFigureOut">
               <a:rPr lang="fr-FR"/>
-              <a:t>04/10/2023</a:t>
+              <a:t>27/09/2023</a:t>
             </a:fld>
             <a:endParaRPr lang="fr-FR"/>
           </a:p>
@@ -2542,7 +2542,7 @@
           <a:p>
             <a:fld id="{2C635B57-2990-4E81-BCDE-620FDDE10EA1}" type="datetimeFigureOut">
               <a:rPr lang="fr-BE" smtClean="0"/>
-              <a:t>04-10-23</a:t>
+              <a:t>27/09/23</a:t>
             </a:fld>
             <a:endParaRPr lang="fr-BE"/>
           </a:p>
@@ -2742,7 +2742,7 @@
           <a:p>
             <a:fld id="{2C635B57-2990-4E81-BCDE-620FDDE10EA1}" type="datetimeFigureOut">
               <a:rPr lang="fr-BE" smtClean="0"/>
-              <a:t>04-10-23</a:t>
+              <a:t>27/09/23</a:t>
             </a:fld>
             <a:endParaRPr lang="fr-BE"/>
           </a:p>
@@ -2952,7 +2952,7 @@
           <a:p>
             <a:fld id="{2C635B57-2990-4E81-BCDE-620FDDE10EA1}" type="datetimeFigureOut">
               <a:rPr lang="fr-BE" smtClean="0"/>
-              <a:t>04-10-23</a:t>
+              <a:t>27/09/23</a:t>
             </a:fld>
             <a:endParaRPr lang="fr-BE"/>
           </a:p>
@@ -3152,7 +3152,7 @@
           <a:p>
             <a:fld id="{2C635B57-2990-4E81-BCDE-620FDDE10EA1}" type="datetimeFigureOut">
               <a:rPr lang="fr-BE" smtClean="0"/>
-              <a:t>04-10-23</a:t>
+              <a:t>27/09/23</a:t>
             </a:fld>
             <a:endParaRPr lang="fr-BE"/>
           </a:p>
@@ -3428,7 +3428,7 @@
           <a:p>
             <a:fld id="{2C635B57-2990-4E81-BCDE-620FDDE10EA1}" type="datetimeFigureOut">
               <a:rPr lang="fr-BE" smtClean="0"/>
-              <a:t>04-10-23</a:t>
+              <a:t>27/09/23</a:t>
             </a:fld>
             <a:endParaRPr lang="fr-BE"/>
           </a:p>
@@ -3696,7 +3696,7 @@
           <a:p>
             <a:fld id="{2C635B57-2990-4E81-BCDE-620FDDE10EA1}" type="datetimeFigureOut">
               <a:rPr lang="fr-BE" smtClean="0"/>
-              <a:t>04-10-23</a:t>
+              <a:t>27/09/23</a:t>
             </a:fld>
             <a:endParaRPr lang="fr-BE"/>
           </a:p>
@@ -4111,7 +4111,7 @@
           <a:p>
             <a:fld id="{2C635B57-2990-4E81-BCDE-620FDDE10EA1}" type="datetimeFigureOut">
               <a:rPr lang="fr-BE" smtClean="0"/>
-              <a:t>04-10-23</a:t>
+              <a:t>27/09/23</a:t>
             </a:fld>
             <a:endParaRPr lang="fr-BE"/>
           </a:p>
@@ -4253,7 +4253,7 @@
           <a:p>
             <a:fld id="{2C635B57-2990-4E81-BCDE-620FDDE10EA1}" type="datetimeFigureOut">
               <a:rPr lang="fr-BE" smtClean="0"/>
-              <a:t>04-10-23</a:t>
+              <a:t>27/09/23</a:t>
             </a:fld>
             <a:endParaRPr lang="fr-BE"/>
           </a:p>
@@ -4366,7 +4366,7 @@
           <a:p>
             <a:fld id="{2C635B57-2990-4E81-BCDE-620FDDE10EA1}" type="datetimeFigureOut">
               <a:rPr lang="fr-BE" smtClean="0"/>
-              <a:t>04-10-23</a:t>
+              <a:t>27/09/23</a:t>
             </a:fld>
             <a:endParaRPr lang="fr-BE"/>
           </a:p>
@@ -4679,7 +4679,7 @@
           <a:p>
             <a:fld id="{2C635B57-2990-4E81-BCDE-620FDDE10EA1}" type="datetimeFigureOut">
               <a:rPr lang="fr-BE" smtClean="0"/>
-              <a:t>04-10-23</a:t>
+              <a:t>27/09/23</a:t>
             </a:fld>
             <a:endParaRPr lang="fr-BE"/>
           </a:p>
@@ -4968,7 +4968,7 @@
           <a:p>
             <a:fld id="{2C635B57-2990-4E81-BCDE-620FDDE10EA1}" type="datetimeFigureOut">
               <a:rPr lang="fr-BE" smtClean="0"/>
-              <a:t>04-10-23</a:t>
+              <a:t>27/09/23</a:t>
             </a:fld>
             <a:endParaRPr lang="fr-BE"/>
           </a:p>
@@ -5211,7 +5211,7 @@
           <a:p>
             <a:fld id="{2C635B57-2990-4E81-BCDE-620FDDE10EA1}" type="datetimeFigureOut">
               <a:rPr lang="fr-BE" smtClean="0"/>
-              <a:t>04-10-23</a:t>
+              <a:t>27/09/23</a:t>
             </a:fld>
             <a:endParaRPr lang="fr-BE"/>
           </a:p>
@@ -10290,7 +10290,7 @@
         <p:spPr>
           <a:xfrm>
             <a:off x="1286932" y="1507066"/>
-            <a:ext cx="6850349" cy="4873129"/>
+            <a:ext cx="6850349" cy="4657685"/>
           </a:xfrm>
           <a:prstGeom prst="rect">
             <a:avLst/>
@@ -10340,7 +10340,16 @@
                 </a:solidFill>
                 <a:effectLst/>
               </a:rPr>
-              <a:t>@Query</a:t>
+              <a:t>@</a:t>
+            </a:r>
+            <a:r>
+              <a:rPr lang="fr-BE" sz="1400" dirty="0" err="1">
+                <a:solidFill>
+                  <a:srgbClr val="808000"/>
+                </a:solidFill>
+                <a:effectLst/>
+              </a:rPr>
+              <a:t>Query</a:t>
             </a:r>
             <a:r>
               <a:rPr lang="fr-BE" sz="1400" dirty="0"/>
@@ -10520,60 +10529,9 @@
             </a:r>
             <a:r>
               <a:rPr lang="fr-BE" sz="1400" dirty="0"/>
-              <a:t>();  </a:t>
-            </a:r>
-            <a:r>
-              <a:rPr lang="fr-BE" sz="1400" dirty="0">
-                <a:solidFill>
-                  <a:srgbClr val="7030A0"/>
-                </a:solidFill>
-              </a:rPr>
-              <a:t>le tuple permet de récupérer des </a:t>
-            </a:r>
-            <a:r>
-              <a:rPr lang="fr-BE" sz="1400" dirty="0" err="1">
-                <a:solidFill>
-                  <a:srgbClr val="7030A0"/>
-                </a:solidFill>
-              </a:rPr>
-              <a:t>élts</a:t>
-            </a:r>
-            <a:r>
-              <a:rPr lang="fr-BE" sz="1400" dirty="0">
-                <a:solidFill>
-                  <a:srgbClr val="7030A0"/>
-                </a:solidFill>
-              </a:rPr>
-              <a:t> sans avoir besoin de faire un </a:t>
-            </a:r>
-            <a:r>
-              <a:rPr lang="fr-BE" sz="1400" dirty="0" err="1">
-                <a:solidFill>
-                  <a:srgbClr val="7030A0"/>
-                </a:solidFill>
-              </a:rPr>
-              <a:t>pojo</a:t>
-            </a:r>
-            <a:r>
-              <a:rPr lang="fr-BE" sz="1400" dirty="0">
-                <a:solidFill>
-                  <a:srgbClr val="7030A0"/>
-                </a:solidFill>
-              </a:rPr>
-              <a:t> pour transférer les </a:t>
-            </a:r>
-            <a:r>
-              <a:rPr lang="fr-BE" sz="1400" dirty="0" err="1">
-                <a:solidFill>
-                  <a:srgbClr val="7030A0"/>
-                </a:solidFill>
-              </a:rPr>
-              <a:t>donées</a:t>
+              <a:t>();</a:t>
             </a:r>
             <a:endParaRPr lang="fr-FR" sz="1400" dirty="0">
-              <a:solidFill>
-                <a:srgbClr val="7030A0"/>
-              </a:solidFill>
               <a:cs typeface="Calibri"/>
             </a:endParaRPr>
           </a:p>
@@ -11161,23 +11119,7 @@
               <a:rPr lang="fr-BE" dirty="0" err="1"/>
               <a:t>OpenFeign</a:t>
             </a:r>
-            <a:r>
-              <a:rPr lang="fr-BE" dirty="0"/>
-              <a:t> </a:t>
-            </a:r>
-            <a:r>
-              <a:rPr lang="fr-BE" sz="2800" dirty="0">
-                <a:solidFill>
-                  <a:srgbClr val="7030A0"/>
-                </a:solidFill>
-              </a:rPr>
-              <a:t>permet de contacter d’autres services</a:t>
-            </a:r>
-            <a:endParaRPr lang="fr-FR" sz="2800" dirty="0" err="1">
-              <a:solidFill>
-                <a:srgbClr val="7030A0"/>
-              </a:solidFill>
-            </a:endParaRPr>
+            <a:endParaRPr lang="fr-FR" dirty="0" err="1"/>
           </a:p>
         </p:txBody>
       </p:sp>
@@ -11195,7 +11137,7 @@
         </p:nvSpPr>
         <p:spPr>
           <a:xfrm>
-            <a:off x="1286932" y="1548631"/>
+            <a:off x="1286932" y="1507066"/>
             <a:ext cx="6850349" cy="4873129"/>
           </a:xfrm>
           <a:prstGeom prst="rect">
@@ -15122,154 +15064,6 @@
           </a:p>
         </p:txBody>
       </p:sp>
-      <p:pic>
-        <p:nvPicPr>
-          <p:cNvPr id="5" name="Image 4">
-            <a:extLst>
-              <a:ext uri="{FF2B5EF4-FFF2-40B4-BE49-F238E27FC236}">
-                <a16:creationId xmlns:a16="http://schemas.microsoft.com/office/drawing/2014/main" id="{18F82241-432E-8F73-5ABF-5C17489448B1}"/>
-              </a:ext>
-            </a:extLst>
-          </p:cNvPr>
-          <p:cNvPicPr>
-            <a:picLocks noChangeAspect="1"/>
-          </p:cNvPicPr>
-          <p:nvPr/>
-        </p:nvPicPr>
-        <p:blipFill>
-          <a:blip r:embed="rId3"/>
-          <a:stretch>
-            <a:fillRect/>
-          </a:stretch>
-        </p:blipFill>
-        <p:spPr>
-          <a:xfrm>
-            <a:off x="8996561" y="828660"/>
-            <a:ext cx="2042337" cy="2423370"/>
-          </a:xfrm>
-          <a:prstGeom prst="rect">
-            <a:avLst/>
-          </a:prstGeom>
-        </p:spPr>
-      </p:pic>
-      <p:sp>
-        <p:nvSpPr>
-          <p:cNvPr id="8" name="ZoneTexte 7">
-            <a:extLst>
-              <a:ext uri="{FF2B5EF4-FFF2-40B4-BE49-F238E27FC236}">
-                <a16:creationId xmlns:a16="http://schemas.microsoft.com/office/drawing/2014/main" id="{68E6DA05-1BBF-2292-55F1-4EE404598BDF}"/>
-              </a:ext>
-            </a:extLst>
-          </p:cNvPr>
-          <p:cNvSpPr txBox="1"/>
-          <p:nvPr/>
-        </p:nvSpPr>
-        <p:spPr>
-          <a:xfrm>
-            <a:off x="8996561" y="77552"/>
-            <a:ext cx="3264711" cy="646331"/>
-          </a:xfrm>
-          <a:prstGeom prst="rect">
-            <a:avLst/>
-          </a:prstGeom>
-          <a:noFill/>
-        </p:spPr>
-        <p:txBody>
-          <a:bodyPr wrap="square" rtlCol="0">
-            <a:spAutoFit/>
-          </a:bodyPr>
-          <a:lstStyle/>
-          <a:p>
-            <a:r>
-              <a:rPr lang="fr-BE" dirty="0"/>
-              <a:t>Dépendances à rajouter pour les services crées dans </a:t>
-            </a:r>
-            <a:r>
-              <a:rPr lang="fr-BE" dirty="0" err="1"/>
-              <a:t>intelli</a:t>
-            </a:r>
-            <a:r>
-              <a:rPr lang="fr-BE" dirty="0"/>
-              <a:t> j</a:t>
-            </a:r>
-            <a:endParaRPr lang="fr-FR" dirty="0"/>
-          </a:p>
-        </p:txBody>
-      </p:sp>
-      <p:pic>
-        <p:nvPicPr>
-          <p:cNvPr id="10" name="Image 9">
-            <a:extLst>
-              <a:ext uri="{FF2B5EF4-FFF2-40B4-BE49-F238E27FC236}">
-                <a16:creationId xmlns:a16="http://schemas.microsoft.com/office/drawing/2014/main" id="{59065385-412F-4730-D5BE-B1DA04910641}"/>
-              </a:ext>
-            </a:extLst>
-          </p:cNvPr>
-          <p:cNvPicPr>
-            <a:picLocks noChangeAspect="1"/>
-          </p:cNvPicPr>
-          <p:nvPr/>
-        </p:nvPicPr>
-        <p:blipFill>
-          <a:blip r:embed="rId4"/>
-          <a:stretch>
-            <a:fillRect/>
-          </a:stretch>
-        </p:blipFill>
-        <p:spPr>
-          <a:xfrm>
-            <a:off x="9187598" y="4488541"/>
-            <a:ext cx="2324301" cy="2187130"/>
-          </a:xfrm>
-          <a:prstGeom prst="rect">
-            <a:avLst/>
-          </a:prstGeom>
-        </p:spPr>
-      </p:pic>
-      <p:sp>
-        <p:nvSpPr>
-          <p:cNvPr id="11" name="ZoneTexte 10">
-            <a:extLst>
-              <a:ext uri="{FF2B5EF4-FFF2-40B4-BE49-F238E27FC236}">
-                <a16:creationId xmlns:a16="http://schemas.microsoft.com/office/drawing/2014/main" id="{8D68932A-E281-F1AA-2972-68263C1C5AEA}"/>
-              </a:ext>
-            </a:extLst>
-          </p:cNvPr>
-          <p:cNvSpPr txBox="1"/>
-          <p:nvPr/>
-        </p:nvSpPr>
-        <p:spPr>
-          <a:xfrm>
-            <a:off x="8352249" y="3270121"/>
-            <a:ext cx="3839751" cy="1200329"/>
-          </a:xfrm>
-          <a:prstGeom prst="rect">
-            <a:avLst/>
-          </a:prstGeom>
-          <a:noFill/>
-        </p:spPr>
-        <p:txBody>
-          <a:bodyPr wrap="square" rtlCol="0">
-            <a:spAutoFit/>
-          </a:bodyPr>
-          <a:lstStyle/>
-          <a:p>
-            <a:r>
-              <a:rPr lang="fr-BE" dirty="0"/>
-              <a:t>Cette dépendance est rajouté uniquement pour les services qui doivent se connecter à d’autres comme le </a:t>
-            </a:r>
-            <a:r>
-              <a:rPr lang="fr-BE" dirty="0" err="1"/>
-              <a:t>wishlist</a:t>
-            </a:r>
-            <a:r>
-              <a:rPr lang="fr-BE" dirty="0"/>
-              <a:t> dans les exos</a:t>
-            </a:r>
-            <a:endParaRPr lang="fr-FR" dirty="0"/>
-          </a:p>
-        </p:txBody>
-      </p:sp>
     </p:spTree>
     <p:extLst>
       <p:ext uri="{BB962C8B-B14F-4D97-AF65-F5344CB8AC3E}">
@@ -15414,7 +15208,7 @@
               </a:rPr>
               <a:t>Architecture monolithique</a:t>
             </a:r>
-            <a:endParaRPr lang="fr-FR" dirty="0"/>
+            <a:endParaRPr lang="fr-FR"/>
           </a:p>
           <a:p>
             <a:pPr marL="285750" indent="-285750">
@@ -15517,50 +15311,6 @@
           </a:prstGeom>
         </p:spPr>
       </p:pic>
-      <p:sp>
-        <p:nvSpPr>
-          <p:cNvPr id="4" name="ZoneTexte 3">
-            <a:extLst>
-              <a:ext uri="{FF2B5EF4-FFF2-40B4-BE49-F238E27FC236}">
-                <a16:creationId xmlns:a16="http://schemas.microsoft.com/office/drawing/2014/main" id="{6A4D4E03-F01E-D7BA-42AB-AD0F884B95F9}"/>
-              </a:ext>
-            </a:extLst>
-          </p:cNvPr>
-          <p:cNvSpPr txBox="1"/>
-          <p:nvPr/>
-        </p:nvSpPr>
-        <p:spPr>
-          <a:xfrm flipH="1">
-            <a:off x="1449642" y="4936673"/>
-            <a:ext cx="2610196" cy="430887"/>
-          </a:xfrm>
-          <a:prstGeom prst="rect">
-            <a:avLst/>
-          </a:prstGeom>
-          <a:noFill/>
-        </p:spPr>
-        <p:txBody>
-          <a:bodyPr wrap="square" rtlCol="0">
-            <a:spAutoFit/>
-          </a:bodyPr>
-          <a:lstStyle/>
-          <a:p>
-            <a:r>
-              <a:rPr lang="fr-BE" sz="1100" dirty="0">
-                <a:solidFill>
-                  <a:srgbClr val="7030A0"/>
-                </a:solidFill>
-              </a:rPr>
-              <a:t>Application dans laquelle il y a plusieurs service et chaque service est une app</a:t>
-            </a:r>
-            <a:endParaRPr lang="fr-FR" sz="1100" dirty="0">
-              <a:solidFill>
-                <a:srgbClr val="7030A0"/>
-              </a:solidFill>
-            </a:endParaRPr>
-          </a:p>
-        </p:txBody>
-      </p:sp>
     </p:spTree>
     <p:extLst>
       <p:ext uri="{BB962C8B-B14F-4D97-AF65-F5344CB8AC3E}">
@@ -16509,7 +16259,7 @@
               </a:spcAft>
             </a:pPr>
             <a:r>
-              <a:rPr lang="fr-BE" sz="2800" dirty="0">
+              <a:rPr lang="fr-BE" sz="2800" dirty="0" err="1">
                 <a:solidFill>
                   <a:srgbClr val="000080"/>
                 </a:solidFill>
@@ -16558,7 +16308,7 @@
                 </a:solidFill>
                 <a:effectLst/>
               </a:rPr>
-              <a:t>9001 </a:t>
+              <a:t>9001</a:t>
             </a:r>
             <a:endParaRPr lang="fr-FR" sz="2800" dirty="0">
               <a:cs typeface="Calibri"/>
@@ -16575,55 +16325,6 @@
             <a:endParaRPr lang="fr-FR" sz="2800" dirty="0">
               <a:cs typeface="Calibri"/>
             </a:endParaRPr>
-          </a:p>
-        </p:txBody>
-      </p:sp>
-      <p:sp>
-        <p:nvSpPr>
-          <p:cNvPr id="4" name="Organigramme : Extraire 3">
-            <a:extLst>
-              <a:ext uri="{FF2B5EF4-FFF2-40B4-BE49-F238E27FC236}">
-                <a16:creationId xmlns:a16="http://schemas.microsoft.com/office/drawing/2014/main" id="{F944CD55-8957-0CC3-CDC7-70949A7A7ABD}"/>
-              </a:ext>
-            </a:extLst>
-          </p:cNvPr>
-          <p:cNvSpPr/>
-          <p:nvPr/>
-        </p:nvSpPr>
-        <p:spPr>
-          <a:xfrm>
-            <a:off x="3915295" y="4455622"/>
-            <a:ext cx="565265" cy="556953"/>
-          </a:xfrm>
-          <a:prstGeom prst="flowChartExtract">
-            <a:avLst/>
-          </a:prstGeom>
-          <a:solidFill>
-            <a:srgbClr val="FF0000"/>
-          </a:solidFill>
-        </p:spPr>
-        <p:style>
-          <a:lnRef idx="2">
-            <a:schemeClr val="accent1">
-              <a:shade val="15000"/>
-            </a:schemeClr>
-          </a:lnRef>
-          <a:fillRef idx="1">
-            <a:schemeClr val="accent1"/>
-          </a:fillRef>
-          <a:effectRef idx="0">
-            <a:schemeClr val="accent1"/>
-          </a:effectRef>
-          <a:fontRef idx="minor">
-            <a:schemeClr val="lt1"/>
-          </a:fontRef>
-        </p:style>
-        <p:txBody>
-          <a:bodyPr rtlCol="0" anchor="ctr"/>
-          <a:lstStyle/>
-          <a:p>
-            <a:pPr algn="ctr"/>
-            <a:endParaRPr lang="fr-FR"/>
           </a:p>
         </p:txBody>
       </p:sp>
@@ -17494,21 +17195,9 @@
           <a:p>
             <a:r>
               <a:rPr lang="fr-BE" dirty="0"/>
-              <a:t>Eureka server== </a:t>
-            </a:r>
-            <a:r>
-              <a:rPr lang="fr-BE" dirty="0">
-                <a:solidFill>
-                  <a:srgbClr val="7030A0"/>
-                </a:solidFill>
-              </a:rPr>
-              <a:t>service Discovery</a:t>
-            </a:r>
-            <a:endParaRPr lang="fr-FR" dirty="0" err="1">
-              <a:solidFill>
-                <a:srgbClr val="7030A0"/>
-              </a:solidFill>
-            </a:endParaRPr>
+              <a:t>Eureka server</a:t>
+            </a:r>
+            <a:endParaRPr lang="fr-FR" dirty="0" err="1"/>
           </a:p>
         </p:txBody>
       </p:sp>
@@ -18618,17 +18307,6 @@
 </file>
 
 <file path=customXml/item1.xml><?xml version="1.0" encoding="utf-8"?>
-<p:properties xmlns:p="http://schemas.microsoft.com/office/2006/metadata/properties" xmlns:xsi="http://www.w3.org/2001/XMLSchema-instance" xmlns:pc="http://schemas.microsoft.com/office/infopath/2007/PartnerControls">
-  <documentManagement>
-    <TaxCatchAll xmlns="3f185228-d0ce-4b0b-b59f-3a34cdc9a5e8" xsi:nil="true"/>
-    <lcf76f155ced4ddcb4097134ff3c332f xmlns="c7472d64-0d3a-484e-8dae-9877b44b21bc">
-      <Terms xmlns="http://schemas.microsoft.com/office/infopath/2007/PartnerControls"/>
-    </lcf76f155ced4ddcb4097134ff3c332f>
-  </documentManagement>
-</p:properties>
-</file>
-
-<file path=customXml/item2.xml><?xml version="1.0" encoding="utf-8"?>
 <ct:contentTypeSchema xmlns:ct="http://schemas.microsoft.com/office/2006/metadata/contentType" xmlns:ma="http://schemas.microsoft.com/office/2006/metadata/properties/metaAttributes" ct:_="" ma:_="" ma:contentTypeName="Document" ma:contentTypeID="0x010100D3ED1306D512654B98E69FC24695A753" ma:contentTypeVersion="13" ma:contentTypeDescription="Crée un document." ma:contentTypeScope="" ma:versionID="48608543ca65c4cc859d010b3df4682a">
   <xsd:schema xmlns:xsd="http://www.w3.org/2001/XMLSchema" xmlns:xs="http://www.w3.org/2001/XMLSchema" xmlns:p="http://schemas.microsoft.com/office/2006/metadata/properties" xmlns:ns2="c7472d64-0d3a-484e-8dae-9877b44b21bc" xmlns:ns3="3f185228-d0ce-4b0b-b59f-3a34cdc9a5e8" targetNamespace="http://schemas.microsoft.com/office/2006/metadata/properties" ma:root="true" ma:fieldsID="0ce71702d001c1d25d6014bf9496571e" ns2:_="" ns3:_="">
     <xsd:import namespace="c7472d64-0d3a-484e-8dae-9877b44b21bc"/>
@@ -18853,6 +18531,17 @@
 </ct:contentTypeSchema>
 </file>
 
+<file path=customXml/item2.xml><?xml version="1.0" encoding="utf-8"?>
+<p:properties xmlns:p="http://schemas.microsoft.com/office/2006/metadata/properties" xmlns:xsi="http://www.w3.org/2001/XMLSchema-instance" xmlns:pc="http://schemas.microsoft.com/office/infopath/2007/PartnerControls">
+  <documentManagement>
+    <TaxCatchAll xmlns="3f185228-d0ce-4b0b-b59f-3a34cdc9a5e8" xsi:nil="true"/>
+    <lcf76f155ced4ddcb4097134ff3c332f xmlns="c7472d64-0d3a-484e-8dae-9877b44b21bc">
+      <Terms xmlns="http://schemas.microsoft.com/office/infopath/2007/PartnerControls"/>
+    </lcf76f155ced4ddcb4097134ff3c332f>
+  </documentManagement>
+</p:properties>
+</file>
+
 <file path=customXml/item3.xml><?xml version="1.0" encoding="utf-8"?>
 <?mso-contentType ?>
 <FormTemplates xmlns="http://schemas.microsoft.com/sharepoint/v3/contenttype/forms">
@@ -18863,23 +18552,6 @@
 </file>
 
 <file path=customXml/itemProps1.xml><?xml version="1.0" encoding="utf-8"?>
-<ds:datastoreItem xmlns:ds="http://schemas.openxmlformats.org/officeDocument/2006/customXml" ds:itemID="{C1399A14-901F-4E3A-933F-047BF75D1C02}">
-  <ds:schemaRefs>
-    <ds:schemaRef ds:uri="http://purl.org/dc/elements/1.1/"/>
-    <ds:schemaRef ds:uri="http://schemas.microsoft.com/office/2006/metadata/properties"/>
-    <ds:schemaRef ds:uri="http://purl.org/dc/terms/"/>
-    <ds:schemaRef ds:uri="http://schemas.microsoft.com/office/2006/documentManagement/types"/>
-    <ds:schemaRef ds:uri="http://schemas.microsoft.com/office/infopath/2007/PartnerControls"/>
-    <ds:schemaRef ds:uri="http://schemas.openxmlformats.org/package/2006/metadata/core-properties"/>
-    <ds:schemaRef ds:uri="3f185228-d0ce-4b0b-b59f-3a34cdc9a5e8"/>
-    <ds:schemaRef ds:uri="c7472d64-0d3a-484e-8dae-9877b44b21bc"/>
-    <ds:schemaRef ds:uri="http://www.w3.org/XML/1998/namespace"/>
-    <ds:schemaRef ds:uri="http://purl.org/dc/dcmitype/"/>
-  </ds:schemaRefs>
-</ds:datastoreItem>
-</file>
-
-<file path=customXml/itemProps2.xml><?xml version="1.0" encoding="utf-8"?>
 <ds:datastoreItem xmlns:ds="http://schemas.openxmlformats.org/officeDocument/2006/customXml" ds:itemID="{D65346D7-8E50-487F-A956-50A748CCAA97}">
   <ds:schemaRefs>
     <ds:schemaRef ds:uri="http://schemas.microsoft.com/office/2006/metadata/contentType"/>
@@ -18898,6 +18570,23 @@
 </ds:datastoreItem>
 </file>
 
+<file path=customXml/itemProps2.xml><?xml version="1.0" encoding="utf-8"?>
+<ds:datastoreItem xmlns:ds="http://schemas.openxmlformats.org/officeDocument/2006/customXml" ds:itemID="{C1399A14-901F-4E3A-933F-047BF75D1C02}">
+  <ds:schemaRefs>
+    <ds:schemaRef ds:uri="http://purl.org/dc/elements/1.1/"/>
+    <ds:schemaRef ds:uri="http://schemas.microsoft.com/office/2006/metadata/properties"/>
+    <ds:schemaRef ds:uri="http://purl.org/dc/terms/"/>
+    <ds:schemaRef ds:uri="http://schemas.microsoft.com/office/2006/documentManagement/types"/>
+    <ds:schemaRef ds:uri="http://schemas.microsoft.com/office/infopath/2007/PartnerControls"/>
+    <ds:schemaRef ds:uri="http://schemas.openxmlformats.org/package/2006/metadata/core-properties"/>
+    <ds:schemaRef ds:uri="3f185228-d0ce-4b0b-b59f-3a34cdc9a5e8"/>
+    <ds:schemaRef ds:uri="c7472d64-0d3a-484e-8dae-9877b44b21bc"/>
+    <ds:schemaRef ds:uri="http://www.w3.org/XML/1998/namespace"/>
+    <ds:schemaRef ds:uri="http://purl.org/dc/dcmitype/"/>
+  </ds:schemaRefs>
+</ds:datastoreItem>
+</file>
+
 <file path=customXml/itemProps3.xml><?xml version="1.0" encoding="utf-8"?>
 <ds:datastoreItem xmlns:ds="http://schemas.openxmlformats.org/officeDocument/2006/customXml" ds:itemID="{D18E240D-34A4-40CE-A20F-0CE06D0EFDFA}">
   <ds:schemaRefs>
